--- a/KNN/KNN.pptx
+++ b/KNN/KNN.pptx
@@ -5,12 +5,14 @@
     <p:sldMasterId id="2147483648" r:id="rId1"/>
   </p:sldMasterIdLst>
   <p:notesMasterIdLst>
-    <p:notesMasterId r:id="rId5"/>
+    <p:notesMasterId r:id="rId7"/>
   </p:notesMasterIdLst>
   <p:sldIdLst>
     <p:sldId id="393" r:id="rId2"/>
     <p:sldId id="531" r:id="rId3"/>
     <p:sldId id="554" r:id="rId4"/>
+    <p:sldId id="555" r:id="rId5"/>
+    <p:sldId id="556" r:id="rId6"/>
   </p:sldIdLst>
   <p:sldSz cx="9144000" cy="6858000" type="screen4x3"/>
   <p:notesSz cx="6858000" cy="9144000"/>
@@ -21747,7 +21749,7 @@
           </a:bodyPr>
           <a:lstStyle/>
           <a:p>
-            <a:pPr>
+            <a:pPr indent="457200">
               <a:lnSpc>
                 <a:spcPct val="150000"/>
               </a:lnSpc>
@@ -22506,6 +22508,313 @@
 </p:sld>
 </file>
 
+<file path=ppt/slides/slide4.xml><?xml version="1.0" encoding="utf-8"?>
+<p:sld xmlns:a="http://schemas.openxmlformats.org/drawingml/2006/main" xmlns:r="http://schemas.openxmlformats.org/officeDocument/2006/relationships" xmlns:p="http://schemas.openxmlformats.org/presentationml/2006/main">
+  <p:cSld>
+    <p:spTree>
+      <p:nvGrpSpPr>
+        <p:cNvPr id="1" name=""/>
+        <p:cNvGrpSpPr/>
+        <p:nvPr/>
+      </p:nvGrpSpPr>
+      <p:grpSpPr>
+        <a:xfrm>
+          <a:off x="0" y="0"/>
+          <a:ext cx="0" cy="0"/>
+          <a:chOff x="0" y="0"/>
+          <a:chExt cx="0" cy="0"/>
+        </a:xfrm>
+      </p:grpSpPr>
+      <p:sp>
+        <p:nvSpPr>
+          <p:cNvPr id="2" name="标题 1">
+            <a:extLst>
+              <a:ext uri="{FF2B5EF4-FFF2-40B4-BE49-F238E27FC236}">
+                <a16:creationId xmlns:a16="http://schemas.microsoft.com/office/drawing/2014/main" id="{2AB36936-B2F5-9DC7-87DD-00351C24874C}"/>
+              </a:ext>
+            </a:extLst>
+          </p:cNvPr>
+          <p:cNvSpPr>
+            <a:spLocks noGrp="1"/>
+          </p:cNvSpPr>
+          <p:nvPr>
+            <p:ph type="title"/>
+          </p:nvPr>
+        </p:nvSpPr>
+        <p:spPr/>
+        <p:txBody>
+          <a:bodyPr/>
+          <a:lstStyle/>
+          <a:p>
+            <a:r>
+              <a:rPr lang="zh-CN" altLang="en-US" sz="4400" dirty="0"/>
+              <a:t>分类器算法</a:t>
+            </a:r>
+          </a:p>
+        </p:txBody>
+      </p:sp>
+      <p:pic>
+        <p:nvPicPr>
+          <p:cNvPr id="5" name="图片 4">
+            <a:extLst>
+              <a:ext uri="{FF2B5EF4-FFF2-40B4-BE49-F238E27FC236}">
+                <a16:creationId xmlns:a16="http://schemas.microsoft.com/office/drawing/2014/main" id="{3EE54912-227C-FB6E-7DAE-24191152F6E2}"/>
+              </a:ext>
+            </a:extLst>
+          </p:cNvPr>
+          <p:cNvPicPr>
+            <a:picLocks noChangeAspect="1"/>
+          </p:cNvPicPr>
+          <p:nvPr/>
+        </p:nvPicPr>
+        <p:blipFill>
+          <a:blip r:embed="rId2">
+            <a:extLst>
+              <a:ext uri="{28A0092B-C50C-407E-A947-70E740481C1C}">
+                <a14:useLocalDpi xmlns:a14="http://schemas.microsoft.com/office/drawing/2010/main" val="0"/>
+              </a:ext>
+            </a:extLst>
+          </a:blip>
+          <a:stretch>
+            <a:fillRect/>
+          </a:stretch>
+        </p:blipFill>
+        <p:spPr>
+          <a:xfrm>
+            <a:off x="124024" y="1524050"/>
+            <a:ext cx="8560110" cy="4343286"/>
+          </a:xfrm>
+          <a:prstGeom prst="rect">
+            <a:avLst/>
+          </a:prstGeom>
+        </p:spPr>
+      </p:pic>
+    </p:spTree>
+    <p:extLst>
+      <p:ext uri="{BB962C8B-B14F-4D97-AF65-F5344CB8AC3E}">
+        <p14:creationId xmlns:p14="http://schemas.microsoft.com/office/powerpoint/2010/main" val="998678090"/>
+      </p:ext>
+    </p:extLst>
+  </p:cSld>
+  <p:clrMapOvr>
+    <a:masterClrMapping/>
+  </p:clrMapOvr>
+</p:sld>
+</file>
+
+<file path=ppt/slides/slide5.xml><?xml version="1.0" encoding="utf-8"?>
+<p:sld xmlns:a="http://schemas.openxmlformats.org/drawingml/2006/main" xmlns:r="http://schemas.openxmlformats.org/officeDocument/2006/relationships" xmlns:p="http://schemas.openxmlformats.org/presentationml/2006/main">
+  <p:cSld>
+    <p:spTree>
+      <p:nvGrpSpPr>
+        <p:cNvPr id="1" name=""/>
+        <p:cNvGrpSpPr/>
+        <p:nvPr/>
+      </p:nvGrpSpPr>
+      <p:grpSpPr>
+        <a:xfrm>
+          <a:off x="0" y="0"/>
+          <a:ext cx="0" cy="0"/>
+          <a:chOff x="0" y="0"/>
+          <a:chExt cx="0" cy="0"/>
+        </a:xfrm>
+      </p:grpSpPr>
+      <p:sp>
+        <p:nvSpPr>
+          <p:cNvPr id="2" name="标题 1">
+            <a:extLst>
+              <a:ext uri="{FF2B5EF4-FFF2-40B4-BE49-F238E27FC236}">
+                <a16:creationId xmlns:a16="http://schemas.microsoft.com/office/drawing/2014/main" id="{B01BD9E1-118B-78F3-3D51-E39FFE920717}"/>
+              </a:ext>
+            </a:extLst>
+          </p:cNvPr>
+          <p:cNvSpPr>
+            <a:spLocks noGrp="1"/>
+          </p:cNvSpPr>
+          <p:nvPr>
+            <p:ph type="title"/>
+          </p:nvPr>
+        </p:nvSpPr>
+        <p:spPr/>
+        <p:txBody>
+          <a:bodyPr/>
+          <a:lstStyle/>
+          <a:p>
+            <a:r>
+              <a:rPr lang="zh-CN" altLang="en-US" sz="4400" dirty="0"/>
+              <a:t>分类器算法</a:t>
+            </a:r>
+          </a:p>
+        </p:txBody>
+      </p:sp>
+      <p:sp>
+        <p:nvSpPr>
+          <p:cNvPr id="3" name="内容占位符 2">
+            <a:extLst>
+              <a:ext uri="{FF2B5EF4-FFF2-40B4-BE49-F238E27FC236}">
+                <a16:creationId xmlns:a16="http://schemas.microsoft.com/office/drawing/2014/main" id="{7B6F72A6-9639-61E5-B661-7CF5AE155BA4}"/>
+              </a:ext>
+            </a:extLst>
+          </p:cNvPr>
+          <p:cNvSpPr>
+            <a:spLocks noGrp="1"/>
+          </p:cNvSpPr>
+          <p:nvPr>
+            <p:ph idx="1"/>
+          </p:nvPr>
+        </p:nvSpPr>
+        <p:spPr/>
+        <p:txBody>
+          <a:bodyPr/>
+          <a:lstStyle/>
+          <a:p>
+            <a:pPr marL="0" indent="457200">
+              <a:lnSpc>
+                <a:spcPct val="150000"/>
+              </a:lnSpc>
+              <a:buNone/>
+            </a:pPr>
+            <a:r>
+              <a:rPr lang="zh-CN" altLang="en-US" sz="1800" spc="100" dirty="0">
+                <a:latin typeface="宋体" panose="02010600030101010101" pitchFamily="2" charset="-122"/>
+                <a:ea typeface="宋体" panose="02010600030101010101" pitchFamily="2" charset="-122"/>
+              </a:rPr>
+              <a:t>上述例子中的特征是二维的，这样的距离度量可以用两点距离公式计算，如果涉及到更高的维度，可以使用欧式距离，公式如下所示：</a:t>
+            </a:r>
+          </a:p>
+        </p:txBody>
+      </p:sp>
+      <p:pic>
+        <p:nvPicPr>
+          <p:cNvPr id="5" name="图片 4">
+            <a:extLst>
+              <a:ext uri="{FF2B5EF4-FFF2-40B4-BE49-F238E27FC236}">
+                <a16:creationId xmlns:a16="http://schemas.microsoft.com/office/drawing/2014/main" id="{441D614E-896E-4953-D82B-56DBA5679CE0}"/>
+              </a:ext>
+            </a:extLst>
+          </p:cNvPr>
+          <p:cNvPicPr>
+            <a:picLocks noChangeAspect="1"/>
+          </p:cNvPicPr>
+          <p:nvPr/>
+        </p:nvPicPr>
+        <p:blipFill>
+          <a:blip r:embed="rId2"/>
+          <a:stretch>
+            <a:fillRect/>
+          </a:stretch>
+        </p:blipFill>
+        <p:spPr>
+          <a:xfrm>
+            <a:off x="1905070" y="2209832"/>
+            <a:ext cx="5638652" cy="1514731"/>
+          </a:xfrm>
+          <a:prstGeom prst="rect">
+            <a:avLst/>
+          </a:prstGeom>
+        </p:spPr>
+      </p:pic>
+      <p:sp>
+        <p:nvSpPr>
+          <p:cNvPr id="6" name="文本框 5">
+            <a:extLst>
+              <a:ext uri="{FF2B5EF4-FFF2-40B4-BE49-F238E27FC236}">
+                <a16:creationId xmlns:a16="http://schemas.microsoft.com/office/drawing/2014/main" id="{662DAFFA-8A8C-B558-5051-F06613DAB00D}"/>
+              </a:ext>
+            </a:extLst>
+          </p:cNvPr>
+          <p:cNvSpPr txBox="1"/>
+          <p:nvPr/>
+        </p:nvSpPr>
+        <p:spPr>
+          <a:xfrm>
+            <a:off x="685902" y="3587169"/>
+            <a:ext cx="7772196" cy="2935868"/>
+          </a:xfrm>
+          <a:prstGeom prst="rect">
+            <a:avLst/>
+          </a:prstGeom>
+          <a:noFill/>
+        </p:spPr>
+        <p:txBody>
+          <a:bodyPr wrap="square" rtlCol="0">
+            <a:spAutoFit/>
+          </a:bodyPr>
+          <a:lstStyle/>
+          <a:p>
+            <a:pPr indent="457200">
+              <a:lnSpc>
+                <a:spcPct val="150000"/>
+              </a:lnSpc>
+            </a:pPr>
+            <a:r>
+              <a:rPr lang="zh-CN" altLang="en-US" sz="1800" b="0" spc="100" dirty="0">
+                <a:latin typeface="宋体" panose="02010600030101010101" pitchFamily="2" charset="-122"/>
+              </a:rPr>
+              <a:t>分类器并不会</a:t>
+            </a:r>
+            <a:r>
+              <a:rPr lang="en-US" altLang="zh-CN" sz="1800" b="0" spc="100" dirty="0">
+                <a:latin typeface="宋体" panose="02010600030101010101" pitchFamily="2" charset="-122"/>
+              </a:rPr>
+              <a:t>100%</a:t>
+            </a:r>
+            <a:r>
+              <a:rPr lang="zh-CN" altLang="en-US" sz="1800" b="0" spc="100" dirty="0">
+                <a:latin typeface="宋体" panose="02010600030101010101" pitchFamily="2" charset="-122"/>
+              </a:rPr>
+              <a:t>得到正确的结果，此外分类器的性能也会受到多种因素的影响，如数据集数据等。不同的算法在不同数据集上的表现可能完全不同，为了测试分类器的效果，我们可以使用已知答案的数据，当然答案不能告诉分类器，检验分类器给出的结果是否符合预期结果。</a:t>
+            </a:r>
+            <a:endParaRPr lang="en-US" altLang="zh-CN" sz="1800" b="0" spc="100" dirty="0">
+              <a:latin typeface="宋体" panose="02010600030101010101" pitchFamily="2" charset="-122"/>
+            </a:endParaRPr>
+          </a:p>
+          <a:p>
+            <a:pPr indent="457200">
+              <a:lnSpc>
+                <a:spcPct val="150000"/>
+              </a:lnSpc>
+            </a:pPr>
+            <a:r>
+              <a:rPr lang="en-US" altLang="zh-CN" sz="1800" b="0" spc="100" dirty="0">
+                <a:latin typeface="宋体" panose="02010600030101010101" pitchFamily="2" charset="-122"/>
+              </a:rPr>
+              <a:t>k-</a:t>
+            </a:r>
+            <a:r>
+              <a:rPr lang="zh-CN" altLang="en-US" sz="1800" b="0" spc="100" dirty="0">
+                <a:latin typeface="宋体" panose="02010600030101010101" pitchFamily="2" charset="-122"/>
+              </a:rPr>
+              <a:t>近邻算法没有进行数据的训练，直接使用未知的数据与已知的数据进行比较，得到结果。因此，可以说</a:t>
+            </a:r>
+            <a:r>
+              <a:rPr lang="en-US" altLang="zh-CN" sz="1800" b="0" spc="100" dirty="0">
+                <a:latin typeface="宋体" panose="02010600030101010101" pitchFamily="2" charset="-122"/>
+              </a:rPr>
+              <a:t>k-</a:t>
+            </a:r>
+            <a:r>
+              <a:rPr lang="zh-CN" altLang="en-US" sz="1800" b="0" spc="100" dirty="0">
+                <a:latin typeface="宋体" panose="02010600030101010101" pitchFamily="2" charset="-122"/>
+              </a:rPr>
+              <a:t>近邻算法不具有显式的学习过程。</a:t>
+            </a:r>
+          </a:p>
+        </p:txBody>
+      </p:sp>
+    </p:spTree>
+    <p:extLst>
+      <p:ext uri="{BB962C8B-B14F-4D97-AF65-F5344CB8AC3E}">
+        <p14:creationId xmlns:p14="http://schemas.microsoft.com/office/powerpoint/2010/main" val="1155121681"/>
+      </p:ext>
+    </p:extLst>
+  </p:cSld>
+  <p:clrMapOvr>
+    <a:masterClrMapping/>
+  </p:clrMapOvr>
+</p:sld>
+</file>
+
 <file path=ppt/theme/theme1.xml><?xml version="1.0" encoding="utf-8"?>
 <a:theme xmlns:a="http://schemas.openxmlformats.org/drawingml/2006/main" name="主题1">
   <a:themeElements>

--- a/KNN/KNN.pptx
+++ b/KNN/KNN.pptx
@@ -5,14 +5,18 @@
     <p:sldMasterId id="2147483648" r:id="rId1"/>
   </p:sldMasterIdLst>
   <p:notesMasterIdLst>
-    <p:notesMasterId r:id="rId7"/>
+    <p:notesMasterId r:id="rId5"/>
   </p:notesMasterIdLst>
   <p:sldIdLst>
-    <p:sldId id="393" r:id="rId2"/>
-    <p:sldId id="531" r:id="rId3"/>
-    <p:sldId id="554" r:id="rId4"/>
-    <p:sldId id="555" r:id="rId5"/>
-    <p:sldId id="556" r:id="rId6"/>
+    <p:sldId id="393" r:id="rId3"/>
+    <p:sldId id="531" r:id="rId4"/>
+    <p:sldId id="554" r:id="rId6"/>
+    <p:sldId id="555" r:id="rId7"/>
+    <p:sldId id="556" r:id="rId8"/>
+    <p:sldId id="557" r:id="rId9"/>
+    <p:sldId id="558" r:id="rId10"/>
+    <p:sldId id="559" r:id="rId11"/>
+    <p:sldId id="560" r:id="rId12"/>
   </p:sldIdLst>
   <p:sldSz cx="9144000" cy="6858000" type="screen4x3"/>
   <p:notesSz cx="6858000" cy="9144000"/>
@@ -201,22 +205,6 @@
       </a:defRPr>
     </a:lvl9pPr>
   </p:defaultTextStyle>
-  <p:extLst>
-    <p:ext uri="{EFAFB233-063F-42B5-8137-9DF3F51BA10A}">
-      <p15:sldGuideLst xmlns:p15="http://schemas.microsoft.com/office/powerpoint/2012/main">
-        <p15:guide id="1" orient="horz" pos="2240">
-          <p15:clr>
-            <a:srgbClr val="A4A3A4"/>
-          </p15:clr>
-        </p15:guide>
-        <p15:guide id="2" pos="2880">
-          <p15:clr>
-            <a:srgbClr val="A4A3A4"/>
-          </p15:clr>
-        </p15:guide>
-      </p15:sldGuideLst>
-    </p:ext>
-  </p:extLst>
 </p:presentation>
 </file>
 
@@ -471,6 +459,20 @@
               </a:rPr>
               <a:t>单击此处编辑母版文本样式</a:t>
             </a:r>
+            <a:endParaRPr kumimoji="0" lang="zh-CN" altLang="zh-CN" sz="1200" b="0" i="0" u="none" strike="noStrike" kern="1200" cap="none" spc="0" normalizeH="0" baseline="0" noProof="0">
+              <a:ln>
+                <a:noFill/>
+              </a:ln>
+              <a:solidFill>
+                <a:schemeClr val="tx1"/>
+              </a:solidFill>
+              <a:effectLst/>
+              <a:uLnTx/>
+              <a:uFillTx/>
+              <a:latin typeface="Arial" panose="020B0604020202020204" pitchFamily="34" charset="0"/>
+              <a:ea typeface="宋体" panose="02010600030101010101" pitchFamily="2" charset="-122"/>
+              <a:cs typeface="+mn-cs"/>
+            </a:endParaRPr>
           </a:p>
           <a:p>
             <a:pPr marL="457200" marR="0" lvl="1" indent="0" algn="l" defTabSz="914400" rtl="0" eaLnBrk="0" fontAlgn="base" latinLnBrk="0" hangingPunct="0">
@@ -506,6 +508,20 @@
               </a:rPr>
               <a:t>第二级</a:t>
             </a:r>
+            <a:endParaRPr kumimoji="0" lang="zh-CN" altLang="zh-CN" sz="1200" b="0" i="0" u="none" strike="noStrike" kern="1200" cap="none" spc="0" normalizeH="0" baseline="0" noProof="0">
+              <a:ln>
+                <a:noFill/>
+              </a:ln>
+              <a:solidFill>
+                <a:schemeClr val="tx1"/>
+              </a:solidFill>
+              <a:effectLst/>
+              <a:uLnTx/>
+              <a:uFillTx/>
+              <a:latin typeface="Arial" panose="020B0604020202020204" pitchFamily="34" charset="0"/>
+              <a:ea typeface="宋体" panose="02010600030101010101" pitchFamily="2" charset="-122"/>
+              <a:cs typeface="+mn-cs"/>
+            </a:endParaRPr>
           </a:p>
           <a:p>
             <a:pPr marL="914400" marR="0" lvl="2" indent="0" algn="l" defTabSz="914400" rtl="0" eaLnBrk="0" fontAlgn="base" latinLnBrk="0" hangingPunct="0">
@@ -541,6 +557,20 @@
               </a:rPr>
               <a:t>第三级</a:t>
             </a:r>
+            <a:endParaRPr kumimoji="0" lang="zh-CN" altLang="zh-CN" sz="1200" b="0" i="0" u="none" strike="noStrike" kern="1200" cap="none" spc="0" normalizeH="0" baseline="0" noProof="0">
+              <a:ln>
+                <a:noFill/>
+              </a:ln>
+              <a:solidFill>
+                <a:schemeClr val="tx1"/>
+              </a:solidFill>
+              <a:effectLst/>
+              <a:uLnTx/>
+              <a:uFillTx/>
+              <a:latin typeface="Arial" panose="020B0604020202020204" pitchFamily="34" charset="0"/>
+              <a:ea typeface="宋体" panose="02010600030101010101" pitchFamily="2" charset="-122"/>
+              <a:cs typeface="+mn-cs"/>
+            </a:endParaRPr>
           </a:p>
           <a:p>
             <a:pPr marL="1371600" marR="0" lvl="3" indent="0" algn="l" defTabSz="914400" rtl="0" eaLnBrk="0" fontAlgn="base" latinLnBrk="0" hangingPunct="0">
@@ -576,6 +606,20 @@
               </a:rPr>
               <a:t>第四级</a:t>
             </a:r>
+            <a:endParaRPr kumimoji="0" lang="zh-CN" altLang="zh-CN" sz="1200" b="0" i="0" u="none" strike="noStrike" kern="1200" cap="none" spc="0" normalizeH="0" baseline="0" noProof="0">
+              <a:ln>
+                <a:noFill/>
+              </a:ln>
+              <a:solidFill>
+                <a:schemeClr val="tx1"/>
+              </a:solidFill>
+              <a:effectLst/>
+              <a:uLnTx/>
+              <a:uFillTx/>
+              <a:latin typeface="Arial" panose="020B0604020202020204" pitchFamily="34" charset="0"/>
+              <a:ea typeface="宋体" panose="02010600030101010101" pitchFamily="2" charset="-122"/>
+              <a:cs typeface="+mn-cs"/>
+            </a:endParaRPr>
           </a:p>
           <a:p>
             <a:pPr marL="1828800" marR="0" lvl="4" indent="0" algn="l" defTabSz="914400" rtl="0" eaLnBrk="0" fontAlgn="base" latinLnBrk="0" hangingPunct="0">
@@ -611,6 +655,20 @@
               </a:rPr>
               <a:t>第五级</a:t>
             </a:r>
+            <a:endParaRPr kumimoji="0" lang="zh-CN" altLang="zh-CN" sz="1200" b="0" i="0" u="none" strike="noStrike" kern="1200" cap="none" spc="0" normalizeH="0" baseline="0" noProof="0">
+              <a:ln>
+                <a:noFill/>
+              </a:ln>
+              <a:solidFill>
+                <a:schemeClr val="tx1"/>
+              </a:solidFill>
+              <a:effectLst/>
+              <a:uLnTx/>
+              <a:uFillTx/>
+              <a:latin typeface="Arial" panose="020B0604020202020204" pitchFamily="34" charset="0"/>
+              <a:ea typeface="宋体" panose="02010600030101010101" pitchFamily="2" charset="-122"/>
+              <a:cs typeface="+mn-cs"/>
+            </a:endParaRPr>
           </a:p>
         </p:txBody>
       </p:sp>
@@ -714,7 +772,6 @@
             </a:pPr>
             <a:fld id="{9A0DB2DC-4C9A-4742-B13C-FB6460FD3503}" type="slidenum">
               <a:rPr lang="zh-CN" altLang="zh-CN" sz="1200" b="0" dirty="0"/>
-              <a:t>‹#›</a:t>
             </a:fld>
             <a:endParaRPr lang="zh-CN" altLang="zh-CN" sz="1200" b="0" dirty="0"/>
           </a:p>
@@ -903,11 +960,6 @@
         </p:txBody>
       </p:sp>
     </p:spTree>
-    <p:extLst>
-      <p:ext uri="{BB962C8B-B14F-4D97-AF65-F5344CB8AC3E}">
-        <p14:creationId xmlns:p14="http://schemas.microsoft.com/office/powerpoint/2010/main" val="2593438703"/>
-      </p:ext>
-    </p:extLst>
   </p:cSld>
   <p:clrMapOvr>
     <a:masterClrMapping/>
@@ -969,11 +1021,6 @@
         </p:txBody>
       </p:sp>
     </p:spTree>
-    <p:extLst>
-      <p:ext uri="{BB962C8B-B14F-4D97-AF65-F5344CB8AC3E}">
-        <p14:creationId xmlns:p14="http://schemas.microsoft.com/office/powerpoint/2010/main" val="3737652892"/>
-      </p:ext>
-    </p:extLst>
   </p:cSld>
   <p:clrMapOvr>
     <a:masterClrMapping/>
@@ -982,7 +1029,7 @@
 </file>
 
 <file path=ppt/slideLayouts/slideLayout1.xml><?xml version="1.0" encoding="utf-8"?>
-<p:sldLayout xmlns:a="http://schemas.openxmlformats.org/drawingml/2006/main" xmlns:r="http://schemas.openxmlformats.org/officeDocument/2006/relationships" xmlns:p="http://schemas.openxmlformats.org/presentationml/2006/main" showMasterSp="0" type="title" preserve="1">
+<p:sldLayout xmlns:a="http://schemas.openxmlformats.org/drawingml/2006/main" xmlns:r="http://schemas.openxmlformats.org/officeDocument/2006/relationships" xmlns:p="http://schemas.openxmlformats.org/presentationml/2006/main" type="title" preserve="1" showMasterSp="0">
   <p:cSld name="标题幻灯片">
     <p:bg>
       <p:bgPr>
@@ -18126,7 +18173,6 @@
             </a:pPr>
             <a:fld id="{9A0DB2DC-4C9A-4742-B13C-FB6460FD3503}" type="slidenum">
               <a:rPr lang="zh-CN" altLang="en-US" dirty="0"/>
-              <a:t>‹#›</a:t>
             </a:fld>
             <a:endParaRPr lang="zh-CN" altLang="en-US" dirty="0"/>
           </a:p>
@@ -18176,6 +18222,7 @@
               <a:rPr lang="zh-CN" altLang="en-US"/>
               <a:t>单击此处编辑母版标题样式</a:t>
             </a:r>
+            <a:endParaRPr lang="zh-CN" altLang="en-US"/>
           </a:p>
         </p:txBody>
       </p:sp>
@@ -18199,6 +18246,7 @@
               <a:rPr lang="zh-CN" altLang="en-US"/>
               <a:t>单击此处编辑母版文本样式</a:t>
             </a:r>
+            <a:endParaRPr lang="zh-CN" altLang="en-US"/>
           </a:p>
           <a:p>
             <a:pPr lvl="1"/>
@@ -18206,6 +18254,7 @@
               <a:rPr lang="zh-CN" altLang="en-US"/>
               <a:t>二级</a:t>
             </a:r>
+            <a:endParaRPr lang="zh-CN" altLang="en-US"/>
           </a:p>
           <a:p>
             <a:pPr lvl="2"/>
@@ -18213,6 +18262,7 @@
               <a:rPr lang="zh-CN" altLang="en-US"/>
               <a:t>三级</a:t>
             </a:r>
+            <a:endParaRPr lang="zh-CN" altLang="en-US"/>
           </a:p>
           <a:p>
             <a:pPr lvl="3"/>
@@ -18220,6 +18270,7 @@
               <a:rPr lang="zh-CN" altLang="en-US"/>
               <a:t>四级</a:t>
             </a:r>
+            <a:endParaRPr lang="zh-CN" altLang="en-US"/>
           </a:p>
           <a:p>
             <a:pPr lvl="4"/>
@@ -18227,6 +18278,7 @@
               <a:rPr lang="zh-CN" altLang="en-US"/>
               <a:t>五级</a:t>
             </a:r>
+            <a:endParaRPr lang="zh-CN" altLang="en-US"/>
           </a:p>
         </p:txBody>
       </p:sp>
@@ -18252,7 +18304,6 @@
               <a:rPr lang="zh-CN" altLang="en-US" dirty="0">
                 <a:latin typeface="Arial" panose="020B0604020202020204" pitchFamily="34" charset="0"/>
               </a:rPr>
-              <a:t>‹#›</a:t>
             </a:fld>
             <a:endParaRPr lang="zh-CN" altLang="en-US" dirty="0">
               <a:latin typeface="Arial" panose="020B0604020202020204" pitchFamily="34" charset="0"/>
@@ -18309,6 +18360,7 @@
               <a:rPr lang="zh-CN" altLang="en-US"/>
               <a:t>单击此处编辑母版标题样式</a:t>
             </a:r>
+            <a:endParaRPr lang="zh-CN" altLang="en-US"/>
           </a:p>
         </p:txBody>
       </p:sp>
@@ -18334,7 +18386,6 @@
               <a:rPr lang="zh-CN" altLang="en-US" dirty="0">
                 <a:latin typeface="Arial" panose="020B0604020202020204" pitchFamily="34" charset="0"/>
               </a:rPr>
-              <a:t>‹#›</a:t>
             </a:fld>
             <a:endParaRPr lang="zh-CN" altLang="en-US" dirty="0">
               <a:latin typeface="Arial" panose="020B0604020202020204" pitchFamily="34" charset="0"/>
@@ -18391,6 +18442,7 @@
               <a:rPr lang="zh-CN" altLang="en-US"/>
               <a:t>单击此处编辑母版标题样式</a:t>
             </a:r>
+            <a:endParaRPr lang="zh-CN" altLang="en-US"/>
           </a:p>
         </p:txBody>
       </p:sp>
@@ -18419,6 +18471,7 @@
               <a:rPr lang="zh-CN" altLang="en-US"/>
               <a:t>单击此处编辑母版文本样式</a:t>
             </a:r>
+            <a:endParaRPr lang="zh-CN" altLang="en-US"/>
           </a:p>
           <a:p>
             <a:pPr lvl="1"/>
@@ -18426,6 +18479,7 @@
               <a:rPr lang="zh-CN" altLang="en-US"/>
               <a:t>二级</a:t>
             </a:r>
+            <a:endParaRPr lang="zh-CN" altLang="en-US"/>
           </a:p>
           <a:p>
             <a:pPr lvl="2"/>
@@ -18433,6 +18487,7 @@
               <a:rPr lang="zh-CN" altLang="en-US"/>
               <a:t>三级</a:t>
             </a:r>
+            <a:endParaRPr lang="zh-CN" altLang="en-US"/>
           </a:p>
           <a:p>
             <a:pPr lvl="3"/>
@@ -18440,6 +18495,7 @@
               <a:rPr lang="zh-CN" altLang="en-US"/>
               <a:t>四级</a:t>
             </a:r>
+            <a:endParaRPr lang="zh-CN" altLang="en-US"/>
           </a:p>
           <a:p>
             <a:pPr lvl="4"/>
@@ -18447,6 +18503,7 @@
               <a:rPr lang="zh-CN" altLang="en-US"/>
               <a:t>五级</a:t>
             </a:r>
+            <a:endParaRPr lang="zh-CN" altLang="en-US"/>
           </a:p>
         </p:txBody>
       </p:sp>
@@ -18475,6 +18532,7 @@
               <a:rPr lang="zh-CN" altLang="en-US"/>
               <a:t>单击此处编辑母版文本样式</a:t>
             </a:r>
+            <a:endParaRPr lang="zh-CN" altLang="en-US"/>
           </a:p>
           <a:p>
             <a:pPr lvl="1"/>
@@ -18482,6 +18540,7 @@
               <a:rPr lang="zh-CN" altLang="en-US"/>
               <a:t>二级</a:t>
             </a:r>
+            <a:endParaRPr lang="zh-CN" altLang="en-US"/>
           </a:p>
           <a:p>
             <a:pPr lvl="2"/>
@@ -18489,6 +18548,7 @@
               <a:rPr lang="zh-CN" altLang="en-US"/>
               <a:t>三级</a:t>
             </a:r>
+            <a:endParaRPr lang="zh-CN" altLang="en-US"/>
           </a:p>
           <a:p>
             <a:pPr lvl="3"/>
@@ -18496,6 +18556,7 @@
               <a:rPr lang="zh-CN" altLang="en-US"/>
               <a:t>四级</a:t>
             </a:r>
+            <a:endParaRPr lang="zh-CN" altLang="en-US"/>
           </a:p>
           <a:p>
             <a:pPr lvl="4"/>
@@ -18503,6 +18564,7 @@
               <a:rPr lang="zh-CN" altLang="en-US"/>
               <a:t>五级</a:t>
             </a:r>
+            <a:endParaRPr lang="zh-CN" altLang="en-US"/>
           </a:p>
         </p:txBody>
       </p:sp>
@@ -18531,6 +18593,7 @@
               <a:rPr lang="zh-CN" altLang="en-US"/>
               <a:t>单击此处编辑母版文本样式</a:t>
             </a:r>
+            <a:endParaRPr lang="zh-CN" altLang="en-US"/>
           </a:p>
           <a:p>
             <a:pPr lvl="1"/>
@@ -18538,6 +18601,7 @@
               <a:rPr lang="zh-CN" altLang="en-US"/>
               <a:t>二级</a:t>
             </a:r>
+            <a:endParaRPr lang="zh-CN" altLang="en-US"/>
           </a:p>
           <a:p>
             <a:pPr lvl="2"/>
@@ -18545,6 +18609,7 @@
               <a:rPr lang="zh-CN" altLang="en-US"/>
               <a:t>三级</a:t>
             </a:r>
+            <a:endParaRPr lang="zh-CN" altLang="en-US"/>
           </a:p>
           <a:p>
             <a:pPr lvl="3"/>
@@ -18552,6 +18617,7 @@
               <a:rPr lang="zh-CN" altLang="en-US"/>
               <a:t>四级</a:t>
             </a:r>
+            <a:endParaRPr lang="zh-CN" altLang="en-US"/>
           </a:p>
           <a:p>
             <a:pPr lvl="4"/>
@@ -18559,6 +18625,7 @@
               <a:rPr lang="zh-CN" altLang="en-US"/>
               <a:t>五级</a:t>
             </a:r>
+            <a:endParaRPr lang="zh-CN" altLang="en-US"/>
           </a:p>
         </p:txBody>
       </p:sp>
@@ -18584,7 +18651,6 @@
               <a:rPr lang="zh-CN" altLang="en-US" dirty="0">
                 <a:latin typeface="Arial" panose="020B0604020202020204" pitchFamily="34" charset="0"/>
               </a:rPr>
-              <a:t>‹#›</a:t>
             </a:fld>
             <a:endParaRPr lang="zh-CN" altLang="en-US" dirty="0">
               <a:latin typeface="Arial" panose="020B0604020202020204" pitchFamily="34" charset="0"/>
@@ -18641,6 +18707,7 @@
               <a:rPr lang="zh-CN" altLang="en-US"/>
               <a:t>单击此处编辑母版标题样式</a:t>
             </a:r>
+            <a:endParaRPr lang="zh-CN" altLang="en-US"/>
           </a:p>
         </p:txBody>
       </p:sp>
@@ -18669,6 +18736,7 @@
               <a:rPr lang="zh-CN" altLang="en-US"/>
               <a:t>单击此处编辑母版文本样式</a:t>
             </a:r>
+            <a:endParaRPr lang="zh-CN" altLang="en-US"/>
           </a:p>
           <a:p>
             <a:pPr lvl="1"/>
@@ -18676,6 +18744,7 @@
               <a:rPr lang="zh-CN" altLang="en-US"/>
               <a:t>二级</a:t>
             </a:r>
+            <a:endParaRPr lang="zh-CN" altLang="en-US"/>
           </a:p>
           <a:p>
             <a:pPr lvl="2"/>
@@ -18683,6 +18752,7 @@
               <a:rPr lang="zh-CN" altLang="en-US"/>
               <a:t>三级</a:t>
             </a:r>
+            <a:endParaRPr lang="zh-CN" altLang="en-US"/>
           </a:p>
           <a:p>
             <a:pPr lvl="3"/>
@@ -18690,6 +18760,7 @@
               <a:rPr lang="zh-CN" altLang="en-US"/>
               <a:t>四级</a:t>
             </a:r>
+            <a:endParaRPr lang="zh-CN" altLang="en-US"/>
           </a:p>
           <a:p>
             <a:pPr lvl="4"/>
@@ -18697,6 +18768,7 @@
               <a:rPr lang="zh-CN" altLang="en-US"/>
               <a:t>五级</a:t>
             </a:r>
+            <a:endParaRPr lang="zh-CN" altLang="en-US"/>
           </a:p>
         </p:txBody>
       </p:sp>
@@ -18725,6 +18797,7 @@
               <a:rPr lang="zh-CN" altLang="en-US"/>
               <a:t>单击此处编辑母版文本样式</a:t>
             </a:r>
+            <a:endParaRPr lang="zh-CN" altLang="en-US"/>
           </a:p>
           <a:p>
             <a:pPr lvl="1"/>
@@ -18732,6 +18805,7 @@
               <a:rPr lang="zh-CN" altLang="en-US"/>
               <a:t>二级</a:t>
             </a:r>
+            <a:endParaRPr lang="zh-CN" altLang="en-US"/>
           </a:p>
           <a:p>
             <a:pPr lvl="2"/>
@@ -18739,6 +18813,7 @@
               <a:rPr lang="zh-CN" altLang="en-US"/>
               <a:t>三级</a:t>
             </a:r>
+            <a:endParaRPr lang="zh-CN" altLang="en-US"/>
           </a:p>
           <a:p>
             <a:pPr lvl="3"/>
@@ -18746,6 +18821,7 @@
               <a:rPr lang="zh-CN" altLang="en-US"/>
               <a:t>四级</a:t>
             </a:r>
+            <a:endParaRPr lang="zh-CN" altLang="en-US"/>
           </a:p>
           <a:p>
             <a:pPr lvl="4"/>
@@ -18753,6 +18829,7 @@
               <a:rPr lang="zh-CN" altLang="en-US"/>
               <a:t>五级</a:t>
             </a:r>
+            <a:endParaRPr lang="zh-CN" altLang="en-US"/>
           </a:p>
         </p:txBody>
       </p:sp>
@@ -18778,7 +18855,6 @@
               <a:rPr lang="zh-CN" altLang="en-US" dirty="0">
                 <a:latin typeface="Arial" panose="020B0604020202020204" pitchFamily="34" charset="0"/>
               </a:rPr>
-              <a:t>‹#›</a:t>
             </a:fld>
             <a:endParaRPr lang="zh-CN" altLang="en-US" dirty="0">
               <a:latin typeface="Arial" panose="020B0604020202020204" pitchFamily="34" charset="0"/>
@@ -18796,7 +18872,7 @@
 </file>
 
 <file path=ppt/slideLayouts/slideLayout14.xml><?xml version="1.0" encoding="utf-8"?>
-<p:sldLayout xmlns:a="http://schemas.openxmlformats.org/drawingml/2006/main" xmlns:r="http://schemas.openxmlformats.org/officeDocument/2006/relationships" xmlns:p="http://schemas.openxmlformats.org/presentationml/2006/main" showMasterSp="0" type="title">
+<p:sldLayout xmlns:a="http://schemas.openxmlformats.org/drawingml/2006/main" xmlns:r="http://schemas.openxmlformats.org/officeDocument/2006/relationships" xmlns:p="http://schemas.openxmlformats.org/presentationml/2006/main" type="title" showMasterSp="0">
   <p:cSld name="1_标题幻灯片">
     <p:bg>
       <p:bgPr>
@@ -18966,6 +19042,7 @@
               <a:rPr lang="zh-CN" altLang="en-US"/>
               <a:t>单击此处编辑母版文本样式</a:t>
             </a:r>
+            <a:endParaRPr lang="zh-CN" altLang="en-US"/>
           </a:p>
           <a:p>
             <a:pPr lvl="1"/>
@@ -18973,6 +19050,7 @@
               <a:rPr lang="zh-CN" altLang="en-US"/>
               <a:t>二级</a:t>
             </a:r>
+            <a:endParaRPr lang="zh-CN" altLang="en-US"/>
           </a:p>
           <a:p>
             <a:pPr lvl="2"/>
@@ -18980,6 +19058,7 @@
               <a:rPr lang="zh-CN" altLang="en-US"/>
               <a:t>三级</a:t>
             </a:r>
+            <a:endParaRPr lang="zh-CN" altLang="en-US"/>
           </a:p>
           <a:p>
             <a:pPr lvl="3"/>
@@ -18987,6 +19066,7 @@
               <a:rPr lang="zh-CN" altLang="en-US"/>
               <a:t>四级</a:t>
             </a:r>
+            <a:endParaRPr lang="zh-CN" altLang="en-US"/>
           </a:p>
           <a:p>
             <a:pPr lvl="4"/>
@@ -19020,7 +19100,6 @@
               <a:rPr lang="zh-CN" altLang="en-US" dirty="0">
                 <a:latin typeface="Arial" panose="020B0604020202020204" pitchFamily="34" charset="0"/>
               </a:rPr>
-              <a:t>‹#›</a:t>
             </a:fld>
             <a:endParaRPr lang="zh-CN" altLang="en-US" dirty="0">
               <a:latin typeface="Arial" panose="020B0604020202020204" pitchFamily="34" charset="0"/>
@@ -19081,6 +19160,7 @@
               <a:rPr lang="zh-CN" altLang="en-US"/>
               <a:t>单击此处编辑母版标题样式</a:t>
             </a:r>
+            <a:endParaRPr lang="zh-CN" altLang="en-US"/>
           </a:p>
         </p:txBody>
       </p:sp>
@@ -19146,6 +19226,7 @@
               <a:rPr lang="zh-CN" altLang="en-US"/>
               <a:t>单击此处编辑母版文本样式</a:t>
             </a:r>
+            <a:endParaRPr lang="zh-CN" altLang="en-US"/>
           </a:p>
         </p:txBody>
       </p:sp>
@@ -19171,7 +19252,6 @@
               <a:rPr lang="zh-CN" altLang="en-US" dirty="0">
                 <a:latin typeface="Arial" panose="020B0604020202020204" pitchFamily="34" charset="0"/>
               </a:rPr>
-              <a:t>‹#›</a:t>
             </a:fld>
             <a:endParaRPr lang="zh-CN" altLang="en-US" dirty="0">
               <a:latin typeface="Arial" panose="020B0604020202020204" pitchFamily="34" charset="0"/>
@@ -19252,6 +19332,7 @@
               <a:rPr lang="zh-CN" altLang="en-US"/>
               <a:t>单击此处编辑母版文本样式</a:t>
             </a:r>
+            <a:endParaRPr lang="zh-CN" altLang="en-US"/>
           </a:p>
           <a:p>
             <a:pPr lvl="1"/>
@@ -19259,6 +19340,7 @@
               <a:rPr lang="zh-CN" altLang="en-US"/>
               <a:t>二级</a:t>
             </a:r>
+            <a:endParaRPr lang="zh-CN" altLang="en-US"/>
           </a:p>
           <a:p>
             <a:pPr lvl="2"/>
@@ -19266,6 +19348,7 @@
               <a:rPr lang="zh-CN" altLang="en-US"/>
               <a:t>三级</a:t>
             </a:r>
+            <a:endParaRPr lang="zh-CN" altLang="en-US"/>
           </a:p>
           <a:p>
             <a:pPr lvl="3"/>
@@ -19273,6 +19356,7 @@
               <a:rPr lang="zh-CN" altLang="en-US"/>
               <a:t>四级</a:t>
             </a:r>
+            <a:endParaRPr lang="zh-CN" altLang="en-US"/>
           </a:p>
           <a:p>
             <a:pPr lvl="4"/>
@@ -19280,6 +19364,7 @@
               <a:rPr lang="zh-CN" altLang="en-US"/>
               <a:t>五级</a:t>
             </a:r>
+            <a:endParaRPr lang="zh-CN" altLang="en-US"/>
           </a:p>
         </p:txBody>
       </p:sp>
@@ -19308,6 +19393,7 @@
               <a:rPr lang="zh-CN" altLang="en-US"/>
               <a:t>单击此处编辑母版文本样式</a:t>
             </a:r>
+            <a:endParaRPr lang="zh-CN" altLang="en-US"/>
           </a:p>
           <a:p>
             <a:pPr lvl="1"/>
@@ -19315,6 +19401,7 @@
               <a:rPr lang="zh-CN" altLang="en-US"/>
               <a:t>二级</a:t>
             </a:r>
+            <a:endParaRPr lang="zh-CN" altLang="en-US"/>
           </a:p>
           <a:p>
             <a:pPr lvl="2"/>
@@ -19322,6 +19409,7 @@
               <a:rPr lang="zh-CN" altLang="en-US"/>
               <a:t>三级</a:t>
             </a:r>
+            <a:endParaRPr lang="zh-CN" altLang="en-US"/>
           </a:p>
           <a:p>
             <a:pPr lvl="3"/>
@@ -19329,6 +19417,7 @@
               <a:rPr lang="zh-CN" altLang="en-US"/>
               <a:t>四级</a:t>
             </a:r>
+            <a:endParaRPr lang="zh-CN" altLang="en-US"/>
           </a:p>
           <a:p>
             <a:pPr lvl="4"/>
@@ -19336,6 +19425,7 @@
               <a:rPr lang="zh-CN" altLang="en-US"/>
               <a:t>五级</a:t>
             </a:r>
+            <a:endParaRPr lang="zh-CN" altLang="en-US"/>
           </a:p>
         </p:txBody>
       </p:sp>
@@ -19361,7 +19451,6 @@
               <a:rPr lang="zh-CN" altLang="en-US" dirty="0">
                 <a:latin typeface="Arial" panose="020B0604020202020204" pitchFamily="34" charset="0"/>
               </a:rPr>
-              <a:t>‹#›</a:t>
             </a:fld>
             <a:endParaRPr lang="zh-CN" altLang="en-US" dirty="0">
               <a:latin typeface="Arial" panose="020B0604020202020204" pitchFamily="34" charset="0"/>
@@ -19418,6 +19507,7 @@
               <a:rPr lang="zh-CN" altLang="en-US"/>
               <a:t>单击此处编辑母版标题样式</a:t>
             </a:r>
+            <a:endParaRPr lang="zh-CN" altLang="en-US"/>
           </a:p>
         </p:txBody>
       </p:sp>
@@ -19483,6 +19573,7 @@
               <a:rPr lang="zh-CN" altLang="en-US"/>
               <a:t>单击此处编辑母版文本样式</a:t>
             </a:r>
+            <a:endParaRPr lang="zh-CN" altLang="en-US"/>
           </a:p>
         </p:txBody>
       </p:sp>
@@ -19511,6 +19602,7 @@
               <a:rPr lang="zh-CN" altLang="en-US"/>
               <a:t>单击此处编辑母版文本样式</a:t>
             </a:r>
+            <a:endParaRPr lang="zh-CN" altLang="en-US"/>
           </a:p>
           <a:p>
             <a:pPr lvl="1"/>
@@ -19518,6 +19610,7 @@
               <a:rPr lang="zh-CN" altLang="en-US"/>
               <a:t>二级</a:t>
             </a:r>
+            <a:endParaRPr lang="zh-CN" altLang="en-US"/>
           </a:p>
           <a:p>
             <a:pPr lvl="2"/>
@@ -19525,6 +19618,7 @@
               <a:rPr lang="zh-CN" altLang="en-US"/>
               <a:t>三级</a:t>
             </a:r>
+            <a:endParaRPr lang="zh-CN" altLang="en-US"/>
           </a:p>
           <a:p>
             <a:pPr lvl="3"/>
@@ -19532,6 +19626,7 @@
               <a:rPr lang="zh-CN" altLang="en-US"/>
               <a:t>四级</a:t>
             </a:r>
+            <a:endParaRPr lang="zh-CN" altLang="en-US"/>
           </a:p>
           <a:p>
             <a:pPr lvl="4"/>
@@ -19539,6 +19634,7 @@
               <a:rPr lang="zh-CN" altLang="en-US"/>
               <a:t>五级</a:t>
             </a:r>
+            <a:endParaRPr lang="zh-CN" altLang="en-US"/>
           </a:p>
         </p:txBody>
       </p:sp>
@@ -19604,6 +19700,7 @@
               <a:rPr lang="zh-CN" altLang="en-US"/>
               <a:t>单击此处编辑母版文本样式</a:t>
             </a:r>
+            <a:endParaRPr lang="zh-CN" altLang="en-US"/>
           </a:p>
         </p:txBody>
       </p:sp>
@@ -19632,6 +19729,7 @@
               <a:rPr lang="zh-CN" altLang="en-US"/>
               <a:t>单击此处编辑母版文本样式</a:t>
             </a:r>
+            <a:endParaRPr lang="zh-CN" altLang="en-US"/>
           </a:p>
           <a:p>
             <a:pPr lvl="1"/>
@@ -19639,6 +19737,7 @@
               <a:rPr lang="zh-CN" altLang="en-US"/>
               <a:t>二级</a:t>
             </a:r>
+            <a:endParaRPr lang="zh-CN" altLang="en-US"/>
           </a:p>
           <a:p>
             <a:pPr lvl="2"/>
@@ -19646,6 +19745,7 @@
               <a:rPr lang="zh-CN" altLang="en-US"/>
               <a:t>三级</a:t>
             </a:r>
+            <a:endParaRPr lang="zh-CN" altLang="en-US"/>
           </a:p>
           <a:p>
             <a:pPr lvl="3"/>
@@ -19653,6 +19753,7 @@
               <a:rPr lang="zh-CN" altLang="en-US"/>
               <a:t>四级</a:t>
             </a:r>
+            <a:endParaRPr lang="zh-CN" altLang="en-US"/>
           </a:p>
           <a:p>
             <a:pPr lvl="4"/>
@@ -19660,6 +19761,7 @@
               <a:rPr lang="zh-CN" altLang="en-US"/>
               <a:t>五级</a:t>
             </a:r>
+            <a:endParaRPr lang="zh-CN" altLang="en-US"/>
           </a:p>
         </p:txBody>
       </p:sp>
@@ -19685,7 +19787,6 @@
               <a:rPr lang="zh-CN" altLang="en-US" dirty="0">
                 <a:latin typeface="Arial" panose="020B0604020202020204" pitchFamily="34" charset="0"/>
               </a:rPr>
-              <a:t>‹#›</a:t>
             </a:fld>
             <a:endParaRPr lang="zh-CN" altLang="en-US" dirty="0">
               <a:latin typeface="Arial" panose="020B0604020202020204" pitchFamily="34" charset="0"/>
@@ -19737,6 +19838,7 @@
               <a:rPr lang="zh-CN" altLang="en-US"/>
               <a:t>单击此处编辑母版标题样式</a:t>
             </a:r>
+            <a:endParaRPr lang="zh-CN" altLang="en-US"/>
           </a:p>
         </p:txBody>
       </p:sp>
@@ -19762,7 +19864,6 @@
               <a:rPr lang="zh-CN" altLang="en-US" dirty="0">
                 <a:latin typeface="Arial" panose="020B0604020202020204" pitchFamily="34" charset="0"/>
               </a:rPr>
-              <a:t>‹#›</a:t>
             </a:fld>
             <a:endParaRPr lang="zh-CN" altLang="en-US" dirty="0">
               <a:latin typeface="Arial" panose="020B0604020202020204" pitchFamily="34" charset="0"/>
@@ -19817,7 +19918,6 @@
               <a:rPr lang="zh-CN" altLang="en-US" dirty="0">
                 <a:latin typeface="Arial" panose="020B0604020202020204" pitchFamily="34" charset="0"/>
               </a:rPr>
-              <a:t>‹#›</a:t>
             </a:fld>
             <a:endParaRPr lang="zh-CN" altLang="en-US" dirty="0">
               <a:latin typeface="Arial" panose="020B0604020202020204" pitchFamily="34" charset="0"/>
@@ -19935,6 +20035,7 @@
               <a:rPr lang="zh-CN" altLang="en-US"/>
               <a:t>单击此处编辑母版文本样式</a:t>
             </a:r>
+            <a:endParaRPr lang="zh-CN" altLang="en-US"/>
           </a:p>
           <a:p>
             <a:pPr lvl="1"/>
@@ -19942,6 +20043,7 @@
               <a:rPr lang="zh-CN" altLang="en-US"/>
               <a:t>二级</a:t>
             </a:r>
+            <a:endParaRPr lang="zh-CN" altLang="en-US"/>
           </a:p>
           <a:p>
             <a:pPr lvl="2"/>
@@ -19949,6 +20051,7 @@
               <a:rPr lang="zh-CN" altLang="en-US"/>
               <a:t>三级</a:t>
             </a:r>
+            <a:endParaRPr lang="zh-CN" altLang="en-US"/>
           </a:p>
           <a:p>
             <a:pPr lvl="3"/>
@@ -19956,6 +20059,7 @@
               <a:rPr lang="zh-CN" altLang="en-US"/>
               <a:t>四级</a:t>
             </a:r>
+            <a:endParaRPr lang="zh-CN" altLang="en-US"/>
           </a:p>
           <a:p>
             <a:pPr lvl="4"/>
@@ -19963,6 +20067,7 @@
               <a:rPr lang="zh-CN" altLang="en-US"/>
               <a:t>五级</a:t>
             </a:r>
+            <a:endParaRPr lang="zh-CN" altLang="en-US"/>
           </a:p>
         </p:txBody>
       </p:sp>
@@ -20028,6 +20133,7 @@
               <a:rPr lang="zh-CN" altLang="en-US"/>
               <a:t>单击此处编辑母版文本样式</a:t>
             </a:r>
+            <a:endParaRPr lang="zh-CN" altLang="en-US"/>
           </a:p>
         </p:txBody>
       </p:sp>
@@ -20053,7 +20159,6 @@
               <a:rPr lang="zh-CN" altLang="en-US" dirty="0">
                 <a:latin typeface="Arial" panose="020B0604020202020204" pitchFamily="34" charset="0"/>
               </a:rPr>
-              <a:t>‹#›</a:t>
             </a:fld>
             <a:endParaRPr lang="zh-CN" altLang="en-US" dirty="0">
               <a:latin typeface="Arial" panose="020B0604020202020204" pitchFamily="34" charset="0"/>
@@ -20114,6 +20219,7 @@
               <a:rPr lang="zh-CN" altLang="en-US"/>
               <a:t>单击此处编辑母版标题样式</a:t>
             </a:r>
+            <a:endParaRPr lang="zh-CN" altLang="en-US"/>
           </a:p>
         </p:txBody>
       </p:sp>
@@ -20207,6 +20313,20 @@
               </a:rPr>
               <a:t>单击图标添加图片</a:t>
             </a:r>
+            <a:endParaRPr kumimoji="0" lang="zh-CN" altLang="en-US" sz="3200" b="0" i="0" u="none" strike="noStrike" kern="1200" cap="none" spc="0" normalizeH="0" baseline="0" noProof="0">
+              <a:ln>
+                <a:noFill/>
+              </a:ln>
+              <a:solidFill>
+                <a:schemeClr val="tx1"/>
+              </a:solidFill>
+              <a:effectLst/>
+              <a:uLnTx/>
+              <a:uFillTx/>
+              <a:latin typeface="+mn-lt"/>
+              <a:ea typeface="+mn-ea"/>
+              <a:cs typeface="+mn-cs"/>
+            </a:endParaRPr>
           </a:p>
         </p:txBody>
       </p:sp>
@@ -20272,6 +20392,7 @@
               <a:rPr lang="zh-CN" altLang="en-US"/>
               <a:t>单击此处编辑母版文本样式</a:t>
             </a:r>
+            <a:endParaRPr lang="zh-CN" altLang="en-US"/>
           </a:p>
         </p:txBody>
       </p:sp>
@@ -20297,7 +20418,6 @@
               <a:rPr lang="zh-CN" altLang="en-US" dirty="0">
                 <a:latin typeface="Arial" panose="020B0604020202020204" pitchFamily="34" charset="0"/>
               </a:rPr>
-              <a:t>‹#›</a:t>
             </a:fld>
             <a:endParaRPr lang="zh-CN" altLang="en-US" dirty="0">
               <a:latin typeface="Arial" panose="020B0604020202020204" pitchFamily="34" charset="0"/>
@@ -20347,7 +20467,7 @@
           <p:nvPr/>
         </p:nvPicPr>
         <p:blipFill>
-          <a:blip r:embed="rId16"/>
+          <a:blip r:embed="rId15"/>
           <a:srcRect b="38461"/>
           <a:stretch>
             <a:fillRect/>
@@ -20472,6 +20592,7 @@
               <a:rPr lang="zh-CN" altLang="en-US" dirty="0"/>
               <a:t>单击此处编辑母版文本样式</a:t>
             </a:r>
+            <a:endParaRPr lang="zh-CN" altLang="en-US" dirty="0"/>
           </a:p>
           <a:p>
             <a:pPr lvl="1"/>
@@ -20479,6 +20600,7 @@
               <a:rPr lang="zh-CN" altLang="en-US" dirty="0"/>
               <a:t>二级</a:t>
             </a:r>
+            <a:endParaRPr lang="zh-CN" altLang="en-US" dirty="0"/>
           </a:p>
           <a:p>
             <a:pPr lvl="2"/>
@@ -20486,6 +20608,7 @@
               <a:rPr lang="zh-CN" altLang="en-US" dirty="0"/>
               <a:t>三级</a:t>
             </a:r>
+            <a:endParaRPr lang="zh-CN" altLang="en-US" dirty="0"/>
           </a:p>
           <a:p>
             <a:pPr lvl="3"/>
@@ -20493,6 +20616,7 @@
               <a:rPr lang="zh-CN" altLang="en-US" dirty="0"/>
               <a:t>四级</a:t>
             </a:r>
+            <a:endParaRPr lang="zh-CN" altLang="en-US" dirty="0"/>
           </a:p>
           <a:p>
             <a:pPr lvl="4"/>
@@ -20547,7 +20671,6 @@
               <a:rPr lang="zh-CN" altLang="en-US" dirty="0">
                 <a:latin typeface="Arial" panose="020B0604020202020204" pitchFamily="34" charset="0"/>
               </a:rPr>
-              <a:t>‹#›</a:t>
             </a:fld>
             <a:endParaRPr lang="zh-CN" altLang="en-US" dirty="0">
               <a:latin typeface="Arial" panose="020B0604020202020204" pitchFamily="34" charset="0"/>
@@ -21207,6 +21330,11 @@
               </a:rPr>
               <a:t>算法简介</a:t>
             </a:r>
+            <a:endParaRPr lang="zh-CN" altLang="en-US" sz="4400" kern="1200" dirty="0">
+              <a:latin typeface="华文新魏" pitchFamily="2" charset="-122"/>
+              <a:ea typeface="华文新魏" pitchFamily="2" charset="-122"/>
+              <a:cs typeface="+mj-cs"/>
+            </a:endParaRPr>
           </a:p>
         </p:txBody>
       </p:sp>
@@ -21239,7 +21367,6 @@
                 </a:solidFill>
                 <a:ea typeface="宋体" panose="02010600030101010101" pitchFamily="2" charset="-122"/>
               </a:rPr>
-              <a:t>2</a:t>
             </a:fld>
             <a:endParaRPr lang="en-US" altLang="zh-CN" sz="1200" dirty="0">
               <a:solidFill>
@@ -21467,18 +21594,19 @@
               </a:rPr>
               <a:t>王俊伟</a:t>
             </a:r>
+            <a:endParaRPr lang="zh-CN" altLang="en-US" sz="100" dirty="0">
+              <a:solidFill>
+                <a:srgbClr val="000000"/>
+              </a:solidFill>
+              <a:ea typeface="宋体" panose="02010600030101010101" pitchFamily="2" charset="-122"/>
+              <a:sym typeface="Arial" panose="020B0604020202020204" pitchFamily="34" charset="0"/>
+            </a:endParaRPr>
           </a:p>
         </p:txBody>
       </p:sp>
       <p:sp>
         <p:nvSpPr>
-          <p:cNvPr id="3" name="内容占位符 2">
-            <a:extLst>
-              <a:ext uri="{FF2B5EF4-FFF2-40B4-BE49-F238E27FC236}">
-                <a16:creationId xmlns:a16="http://schemas.microsoft.com/office/drawing/2014/main" id="{8EA980C9-B58A-990E-1A52-8F0A96BB7B3C}"/>
-              </a:ext>
-            </a:extLst>
-          </p:cNvPr>
+          <p:cNvPr id="3" name="内容占位符 2"/>
           <p:cNvSpPr>
             <a:spLocks noGrp="1"/>
           </p:cNvSpPr>
@@ -21560,13 +21688,7 @@
       </p:sp>
       <p:grpSp>
         <p:nvGrpSpPr>
-          <p:cNvPr id="11" name="组合 10">
-            <a:extLst>
-              <a:ext uri="{FF2B5EF4-FFF2-40B4-BE49-F238E27FC236}">
-                <a16:creationId xmlns:a16="http://schemas.microsoft.com/office/drawing/2014/main" id="{DB152DB2-EF11-9E84-0CD6-9FAB6B832EBD}"/>
-              </a:ext>
-            </a:extLst>
-          </p:cNvPr>
+          <p:cNvPr id="11" name="组合 10"/>
           <p:cNvGrpSpPr/>
           <p:nvPr/>
         </p:nvGrpSpPr>
@@ -21580,13 +21702,7 @@
         </p:grpSpPr>
         <p:sp>
           <p:nvSpPr>
-            <p:cNvPr id="6" name="矩形: 圆角 5">
-              <a:extLst>
-                <a:ext uri="{FF2B5EF4-FFF2-40B4-BE49-F238E27FC236}">
-                  <a16:creationId xmlns:a16="http://schemas.microsoft.com/office/drawing/2014/main" id="{30800626-90A0-1F62-6D0D-22F736C0CBE6}"/>
-                </a:ext>
-              </a:extLst>
-            </p:cNvPr>
+            <p:cNvPr id="6" name="矩形: 圆角 5"/>
             <p:cNvSpPr/>
             <p:nvPr/>
           </p:nvSpPr>
@@ -21646,13 +21762,7 @@
         </p:sp>
         <p:sp>
           <p:nvSpPr>
-            <p:cNvPr id="7" name="文本框 6">
-              <a:extLst>
-                <a:ext uri="{FF2B5EF4-FFF2-40B4-BE49-F238E27FC236}">
-                  <a16:creationId xmlns:a16="http://schemas.microsoft.com/office/drawing/2014/main" id="{B969E28C-8952-2902-7B24-2AC4C8453E35}"/>
-                </a:ext>
-              </a:extLst>
-            </p:cNvPr>
+            <p:cNvPr id="7" name="文本框 6"/>
             <p:cNvSpPr txBox="1"/>
             <p:nvPr/>
           </p:nvSpPr>
@@ -21687,26 +21797,31 @@
                 </a:rPr>
                 <a:t>训练样本集合</a:t>
               </a:r>
+              <a:endParaRPr kumimoji="0" lang="zh-CN" altLang="en-US" sz="2000" b="0" i="0" u="none" strike="noStrike" cap="none" normalizeH="0" baseline="0" dirty="0">
+                <a:ln>
+                  <a:noFill/>
+                </a:ln>
+                <a:solidFill>
+                  <a:schemeClr val="bg1"/>
+                </a:solidFill>
+                <a:effectLst/>
+                <a:latin typeface="Arial" panose="020B0604020202020204" pitchFamily="34" charset="0"/>
+                <a:ea typeface="华文行楷" panose="02010800040101010101" pitchFamily="2" charset="-122"/>
+              </a:endParaRPr>
             </a:p>
           </p:txBody>
         </p:sp>
       </p:grpSp>
       <p:pic>
         <p:nvPicPr>
-          <p:cNvPr id="10" name="图片 9">
-            <a:extLst>
-              <a:ext uri="{FF2B5EF4-FFF2-40B4-BE49-F238E27FC236}">
-                <a16:creationId xmlns:a16="http://schemas.microsoft.com/office/drawing/2014/main" id="{F5529E95-6D5D-8F4D-3FEB-986F8373864B}"/>
-              </a:ext>
-            </a:extLst>
-          </p:cNvPr>
+          <p:cNvPr id="10" name="图片 9"/>
           <p:cNvPicPr>
             <a:picLocks noChangeAspect="1"/>
           </p:cNvPicPr>
           <p:nvPr/>
         </p:nvPicPr>
         <p:blipFill>
-          <a:blip r:embed="rId3"/>
+          <a:blip r:embed="rId1"/>
           <a:stretch>
             <a:fillRect/>
           </a:stretch>
@@ -21723,13 +21838,7 @@
       </p:pic>
       <p:sp>
         <p:nvSpPr>
-          <p:cNvPr id="12" name="文本框 11">
-            <a:extLst>
-              <a:ext uri="{FF2B5EF4-FFF2-40B4-BE49-F238E27FC236}">
-                <a16:creationId xmlns:a16="http://schemas.microsoft.com/office/drawing/2014/main" id="{49529CED-7DB0-7F83-FDB3-A4662F79F5AF}"/>
-              </a:ext>
-            </a:extLst>
-          </p:cNvPr>
+          <p:cNvPr id="12" name="文本框 11"/>
           <p:cNvSpPr txBox="1"/>
           <p:nvPr/>
         </p:nvSpPr>
@@ -21859,18 +21968,15 @@
               </a:rPr>
               <a:t>个最相似数据中出现次数最多的分类，作为新数据的分类。</a:t>
             </a:r>
+            <a:endParaRPr lang="zh-CN" altLang="en-US" sz="1800" b="0" spc="100" dirty="0">
+              <a:latin typeface="宋体" panose="02010600030101010101" pitchFamily="2" charset="-122"/>
+            </a:endParaRPr>
           </a:p>
         </p:txBody>
       </p:sp>
       <p:sp>
         <p:nvSpPr>
-          <p:cNvPr id="14" name="椭圆 13">
-            <a:extLst>
-              <a:ext uri="{FF2B5EF4-FFF2-40B4-BE49-F238E27FC236}">
-                <a16:creationId xmlns:a16="http://schemas.microsoft.com/office/drawing/2014/main" id="{696DA59A-8240-1850-06D6-AABD8F299D08}"/>
-              </a:ext>
-            </a:extLst>
-          </p:cNvPr>
+          <p:cNvPr id="14" name="椭圆 13"/>
           <p:cNvSpPr/>
           <p:nvPr/>
         </p:nvSpPr>
@@ -21928,13 +22034,7 @@
       </p:sp>
       <p:sp>
         <p:nvSpPr>
-          <p:cNvPr id="15" name="文本框 14">
-            <a:extLst>
-              <a:ext uri="{FF2B5EF4-FFF2-40B4-BE49-F238E27FC236}">
-                <a16:creationId xmlns:a16="http://schemas.microsoft.com/office/drawing/2014/main" id="{28E56124-1D30-FF39-99C2-562367DBB772}"/>
-              </a:ext>
-            </a:extLst>
-          </p:cNvPr>
+          <p:cNvPr id="15" name="文本框 14"/>
           <p:cNvSpPr txBox="1"/>
           <p:nvPr/>
         </p:nvSpPr>
@@ -21962,6 +22062,11 @@
               </a:rPr>
               <a:t>数据集标签</a:t>
             </a:r>
+            <a:endParaRPr lang="zh-CN" altLang="en-US" sz="1200" b="0" dirty="0">
+              <a:solidFill>
+                <a:srgbClr val="FF0000"/>
+              </a:solidFill>
+            </a:endParaRPr>
           </a:p>
         </p:txBody>
       </p:sp>
@@ -21992,13 +22097,7 @@
       </p:grpSpPr>
       <p:sp>
         <p:nvSpPr>
-          <p:cNvPr id="2" name="标题 1">
-            <a:extLst>
-              <a:ext uri="{FF2B5EF4-FFF2-40B4-BE49-F238E27FC236}">
-                <a16:creationId xmlns:a16="http://schemas.microsoft.com/office/drawing/2014/main" id="{60B01C55-C6C0-1454-38C4-96D132C6C8A9}"/>
-              </a:ext>
-            </a:extLst>
-          </p:cNvPr>
+          <p:cNvPr id="2" name="标题 1"/>
           <p:cNvSpPr>
             <a:spLocks noGrp="1"/>
           </p:cNvSpPr>
@@ -22015,18 +22114,13 @@
               <a:rPr lang="zh-CN" altLang="en-US" sz="4400" dirty="0"/>
               <a:t>简单案例</a:t>
             </a:r>
+            <a:endParaRPr lang="zh-CN" altLang="en-US" sz="4400" dirty="0"/>
           </a:p>
         </p:txBody>
       </p:sp>
       <p:pic>
         <p:nvPicPr>
-          <p:cNvPr id="5" name="内容占位符 4">
-            <a:extLst>
-              <a:ext uri="{FF2B5EF4-FFF2-40B4-BE49-F238E27FC236}">
-                <a16:creationId xmlns:a16="http://schemas.microsoft.com/office/drawing/2014/main" id="{CF11443F-0B02-1A49-C357-0117993167D2}"/>
-              </a:ext>
-            </a:extLst>
-          </p:cNvPr>
+          <p:cNvPr id="5" name="内容占位符 4"/>
           <p:cNvPicPr>
             <a:picLocks noGrp="1" noChangeAspect="1"/>
           </p:cNvPicPr>
@@ -22035,7 +22129,7 @@
           </p:nvPr>
         </p:nvPicPr>
         <p:blipFill>
-          <a:blip r:embed="rId3"/>
+          <a:blip r:embed="rId1"/>
           <a:stretch>
             <a:fillRect/>
           </a:stretch>
@@ -22049,13 +22143,7 @@
       </p:pic>
       <p:sp>
         <p:nvSpPr>
-          <p:cNvPr id="7" name="文本框 6">
-            <a:extLst>
-              <a:ext uri="{FF2B5EF4-FFF2-40B4-BE49-F238E27FC236}">
-                <a16:creationId xmlns:a16="http://schemas.microsoft.com/office/drawing/2014/main" id="{70519FFB-B053-C889-2CBD-C04A0FADBF7D}"/>
-              </a:ext>
-            </a:extLst>
-          </p:cNvPr>
+          <p:cNvPr id="7" name="文本框 6"/>
           <p:cNvSpPr txBox="1"/>
           <p:nvPr/>
         </p:nvSpPr>
@@ -22094,25 +22182,22 @@
               </a:rPr>
               <a:t>近邻算法分类一个电影是爱情片还是动作片。</a:t>
             </a:r>
+            <a:endParaRPr lang="zh-CN" altLang="en-US" sz="1800" b="0" spc="100" dirty="0">
+              <a:latin typeface="宋体" panose="02010600030101010101" pitchFamily="2" charset="-122"/>
+            </a:endParaRPr>
           </a:p>
         </p:txBody>
       </p:sp>
       <p:pic>
         <p:nvPicPr>
-          <p:cNvPr id="11" name="图片 10">
-            <a:extLst>
-              <a:ext uri="{FF2B5EF4-FFF2-40B4-BE49-F238E27FC236}">
-                <a16:creationId xmlns:a16="http://schemas.microsoft.com/office/drawing/2014/main" id="{FBB4132F-6564-DE41-8D5D-61CF65C429C9}"/>
-              </a:ext>
-            </a:extLst>
-          </p:cNvPr>
+          <p:cNvPr id="11" name="图片 10"/>
           <p:cNvPicPr>
             <a:picLocks noChangeAspect="1"/>
           </p:cNvPicPr>
           <p:nvPr/>
         </p:nvPicPr>
         <p:blipFill>
-          <a:blip r:embed="rId4"/>
+          <a:blip r:embed="rId2"/>
           <a:stretch>
             <a:fillRect/>
           </a:stretch>
@@ -22129,13 +22214,7 @@
       </p:pic>
       <p:sp>
         <p:nvSpPr>
-          <p:cNvPr id="13" name="文本框 12">
-            <a:extLst>
-              <a:ext uri="{FF2B5EF4-FFF2-40B4-BE49-F238E27FC236}">
-                <a16:creationId xmlns:a16="http://schemas.microsoft.com/office/drawing/2014/main" id="{F148A364-3889-D6F9-1DD5-3BF4DEF2D7C6}"/>
-              </a:ext>
-            </a:extLst>
-          </p:cNvPr>
+          <p:cNvPr id="13" name="文本框 12"/>
           <p:cNvSpPr txBox="1"/>
           <p:nvPr/>
         </p:nvSpPr>
@@ -22167,25 +22246,22 @@
               </a:rPr>
               <a:t>近邻算法距离公式：</a:t>
             </a:r>
+            <a:endParaRPr lang="zh-CN" altLang="en-US" sz="1800" b="0" spc="100" dirty="0">
+              <a:latin typeface="宋体" panose="02010600030101010101" pitchFamily="2" charset="-122"/>
+            </a:endParaRPr>
           </a:p>
         </p:txBody>
       </p:sp>
       <p:pic>
         <p:nvPicPr>
-          <p:cNvPr id="15" name="图片 14">
-            <a:extLst>
-              <a:ext uri="{FF2B5EF4-FFF2-40B4-BE49-F238E27FC236}">
-                <a16:creationId xmlns:a16="http://schemas.microsoft.com/office/drawing/2014/main" id="{44FCEAFF-E032-A600-15E2-7B3E1C649F5D}"/>
-              </a:ext>
-            </a:extLst>
-          </p:cNvPr>
+          <p:cNvPr id="15" name="图片 14"/>
           <p:cNvPicPr>
             <a:picLocks noChangeAspect="1"/>
           </p:cNvPicPr>
           <p:nvPr/>
         </p:nvPicPr>
         <p:blipFill>
-          <a:blip r:embed="rId5"/>
+          <a:blip r:embed="rId3"/>
           <a:stretch>
             <a:fillRect/>
           </a:stretch>
@@ -22202,13 +22278,7 @@
       </p:pic>
       <p:sp>
         <p:nvSpPr>
-          <p:cNvPr id="16" name="文本框 15">
-            <a:extLst>
-              <a:ext uri="{FF2B5EF4-FFF2-40B4-BE49-F238E27FC236}">
-                <a16:creationId xmlns:a16="http://schemas.microsoft.com/office/drawing/2014/main" id="{D3256D45-AB71-39BC-76E6-527B2E401A65}"/>
-              </a:ext>
-            </a:extLst>
-          </p:cNvPr>
+          <p:cNvPr id="16" name="文本框 15"/>
           <p:cNvSpPr txBox="1"/>
           <p:nvPr/>
         </p:nvSpPr>
@@ -22276,6 +22346,9 @@
               </a:rPr>
               <a:t>16.55</a:t>
             </a:r>
+            <a:endParaRPr lang="en-US" altLang="zh-CN" sz="1400" b="0" spc="100" dirty="0">
+              <a:latin typeface="宋体" panose="02010600030101010101" pitchFamily="2" charset="-122"/>
+            </a:endParaRPr>
           </a:p>
           <a:p>
             <a:pPr marL="285750" indent="-285750" algn="l" fontAlgn="base">
@@ -22315,6 +22388,9 @@
               </a:rPr>
               <a:t>18.44</a:t>
             </a:r>
+            <a:endParaRPr lang="en-US" altLang="zh-CN" sz="1400" b="0" spc="100" dirty="0">
+              <a:latin typeface="宋体" panose="02010600030101010101" pitchFamily="2" charset="-122"/>
+            </a:endParaRPr>
           </a:p>
           <a:p>
             <a:pPr marL="285750" indent="-285750" algn="l" fontAlgn="base">
@@ -22354,6 +22430,9 @@
               </a:rPr>
               <a:t>118.22</a:t>
             </a:r>
+            <a:endParaRPr lang="en-US" altLang="zh-CN" sz="1400" b="0" spc="100" dirty="0">
+              <a:latin typeface="宋体" panose="02010600030101010101" pitchFamily="2" charset="-122"/>
+            </a:endParaRPr>
           </a:p>
           <a:p>
             <a:pPr marL="285750" indent="-285750" algn="l" fontAlgn="base">
@@ -22393,6 +22472,9 @@
               </a:rPr>
               <a:t>128.69</a:t>
             </a:r>
+            <a:endParaRPr lang="en-US" altLang="zh-CN" sz="1400" b="0" spc="100" dirty="0">
+              <a:latin typeface="宋体" panose="02010600030101010101" pitchFamily="2" charset="-122"/>
+            </a:endParaRPr>
           </a:p>
           <a:p>
             <a:endParaRPr lang="zh-CN" altLang="en-US" sz="1800" b="0" spc="100" dirty="0">
@@ -22403,13 +22485,7 @@
       </p:sp>
       <p:sp>
         <p:nvSpPr>
-          <p:cNvPr id="17" name="文本框 16">
-            <a:extLst>
-              <a:ext uri="{FF2B5EF4-FFF2-40B4-BE49-F238E27FC236}">
-                <a16:creationId xmlns:a16="http://schemas.microsoft.com/office/drawing/2014/main" id="{9338014A-0586-79D1-740F-0DCA92634FC8}"/>
-              </a:ext>
-            </a:extLst>
-          </p:cNvPr>
+          <p:cNvPr id="17" name="文本框 16"/>
           <p:cNvSpPr txBox="1"/>
           <p:nvPr/>
         </p:nvSpPr>
@@ -22492,15 +22568,13 @@
               </a:rPr>
               <a:t>个点，所以该红色圆点标记为的电影为动作片。</a:t>
             </a:r>
+            <a:endParaRPr lang="zh-CN" altLang="en-US" sz="1400" b="0" spc="100" dirty="0">
+              <a:latin typeface="宋体" panose="02010600030101010101" pitchFamily="2" charset="-122"/>
+            </a:endParaRPr>
           </a:p>
         </p:txBody>
       </p:sp>
     </p:spTree>
-    <p:extLst>
-      <p:ext uri="{BB962C8B-B14F-4D97-AF65-F5344CB8AC3E}">
-        <p14:creationId xmlns:p14="http://schemas.microsoft.com/office/powerpoint/2010/main" val="1598771703"/>
-      </p:ext>
-    </p:extLst>
   </p:cSld>
   <p:clrMapOvr>
     <a:masterClrMapping/>
@@ -22527,13 +22601,7 @@
       </p:grpSpPr>
       <p:sp>
         <p:nvSpPr>
-          <p:cNvPr id="2" name="标题 1">
-            <a:extLst>
-              <a:ext uri="{FF2B5EF4-FFF2-40B4-BE49-F238E27FC236}">
-                <a16:creationId xmlns:a16="http://schemas.microsoft.com/office/drawing/2014/main" id="{2AB36936-B2F5-9DC7-87DD-00351C24874C}"/>
-              </a:ext>
-            </a:extLst>
-          </p:cNvPr>
+          <p:cNvPr id="2" name="标题 1"/>
           <p:cNvSpPr>
             <a:spLocks noGrp="1"/>
           </p:cNvSpPr>
@@ -22550,25 +22618,20 @@
               <a:rPr lang="zh-CN" altLang="en-US" sz="4400" dirty="0"/>
               <a:t>分类器算法</a:t>
             </a:r>
+            <a:endParaRPr lang="zh-CN" altLang="en-US" sz="4400" dirty="0"/>
           </a:p>
         </p:txBody>
       </p:sp>
       <p:pic>
         <p:nvPicPr>
-          <p:cNvPr id="5" name="图片 4">
-            <a:extLst>
-              <a:ext uri="{FF2B5EF4-FFF2-40B4-BE49-F238E27FC236}">
-                <a16:creationId xmlns:a16="http://schemas.microsoft.com/office/drawing/2014/main" id="{3EE54912-227C-FB6E-7DAE-24191152F6E2}"/>
-              </a:ext>
-            </a:extLst>
-          </p:cNvPr>
+          <p:cNvPr id="5" name="图片 4"/>
           <p:cNvPicPr>
             <a:picLocks noChangeAspect="1"/>
           </p:cNvPicPr>
           <p:nvPr/>
         </p:nvPicPr>
         <p:blipFill>
-          <a:blip r:embed="rId2">
+          <a:blip r:embed="rId1">
             <a:extLst>
               <a:ext uri="{28A0092B-C50C-407E-A947-70E740481C1C}">
                 <a14:useLocalDpi xmlns:a14="http://schemas.microsoft.com/office/drawing/2010/main" val="0"/>
@@ -22590,11 +22653,6 @@
         </p:spPr>
       </p:pic>
     </p:spTree>
-    <p:extLst>
-      <p:ext uri="{BB962C8B-B14F-4D97-AF65-F5344CB8AC3E}">
-        <p14:creationId xmlns:p14="http://schemas.microsoft.com/office/powerpoint/2010/main" val="998678090"/>
-      </p:ext>
-    </p:extLst>
   </p:cSld>
   <p:clrMapOvr>
     <a:masterClrMapping/>
@@ -22621,13 +22679,7 @@
       </p:grpSpPr>
       <p:sp>
         <p:nvSpPr>
-          <p:cNvPr id="2" name="标题 1">
-            <a:extLst>
-              <a:ext uri="{FF2B5EF4-FFF2-40B4-BE49-F238E27FC236}">
-                <a16:creationId xmlns:a16="http://schemas.microsoft.com/office/drawing/2014/main" id="{B01BD9E1-118B-78F3-3D51-E39FFE920717}"/>
-              </a:ext>
-            </a:extLst>
-          </p:cNvPr>
+          <p:cNvPr id="2" name="标题 1"/>
           <p:cNvSpPr>
             <a:spLocks noGrp="1"/>
           </p:cNvSpPr>
@@ -22644,18 +22696,13 @@
               <a:rPr lang="zh-CN" altLang="en-US" sz="4400" dirty="0"/>
               <a:t>分类器算法</a:t>
             </a:r>
+            <a:endParaRPr lang="zh-CN" altLang="en-US" sz="4400" dirty="0"/>
           </a:p>
         </p:txBody>
       </p:sp>
       <p:sp>
         <p:nvSpPr>
-          <p:cNvPr id="3" name="内容占位符 2">
-            <a:extLst>
-              <a:ext uri="{FF2B5EF4-FFF2-40B4-BE49-F238E27FC236}">
-                <a16:creationId xmlns:a16="http://schemas.microsoft.com/office/drawing/2014/main" id="{7B6F72A6-9639-61E5-B661-7CF5AE155BA4}"/>
-              </a:ext>
-            </a:extLst>
-          </p:cNvPr>
+          <p:cNvPr id="3" name="内容占位符 2"/>
           <p:cNvSpPr>
             <a:spLocks noGrp="1"/>
           </p:cNvSpPr>
@@ -22681,25 +22728,23 @@
               </a:rPr>
               <a:t>上述例子中的特征是二维的，这样的距离度量可以用两点距离公式计算，如果涉及到更高的维度，可以使用欧式距离，公式如下所示：</a:t>
             </a:r>
+            <a:endParaRPr lang="zh-CN" altLang="en-US" sz="1800" spc="100" dirty="0">
+              <a:latin typeface="宋体" panose="02010600030101010101" pitchFamily="2" charset="-122"/>
+              <a:ea typeface="宋体" panose="02010600030101010101" pitchFamily="2" charset="-122"/>
+            </a:endParaRPr>
           </a:p>
         </p:txBody>
       </p:sp>
       <p:pic>
         <p:nvPicPr>
-          <p:cNvPr id="5" name="图片 4">
-            <a:extLst>
-              <a:ext uri="{FF2B5EF4-FFF2-40B4-BE49-F238E27FC236}">
-                <a16:creationId xmlns:a16="http://schemas.microsoft.com/office/drawing/2014/main" id="{441D614E-896E-4953-D82B-56DBA5679CE0}"/>
-              </a:ext>
-            </a:extLst>
-          </p:cNvPr>
+          <p:cNvPr id="5" name="图片 4"/>
           <p:cNvPicPr>
             <a:picLocks noChangeAspect="1"/>
           </p:cNvPicPr>
           <p:nvPr/>
         </p:nvPicPr>
         <p:blipFill>
-          <a:blip r:embed="rId2"/>
+          <a:blip r:embed="rId1"/>
           <a:stretch>
             <a:fillRect/>
           </a:stretch>
@@ -22716,13 +22761,7 @@
       </p:pic>
       <p:sp>
         <p:nvSpPr>
-          <p:cNvPr id="6" name="文本框 5">
-            <a:extLst>
-              <a:ext uri="{FF2B5EF4-FFF2-40B4-BE49-F238E27FC236}">
-                <a16:creationId xmlns:a16="http://schemas.microsoft.com/office/drawing/2014/main" id="{662DAFFA-8A8C-B558-5051-F06613DAB00D}"/>
-              </a:ext>
-            </a:extLst>
-          </p:cNvPr>
+          <p:cNvPr id="6" name="文本框 5"/>
           <p:cNvSpPr txBox="1"/>
           <p:nvPr/>
         </p:nvSpPr>
@@ -22799,20 +22838,858 @@
               </a:rPr>
               <a:t>近邻算法不具有显式的学习过程。</a:t>
             </a:r>
+            <a:endParaRPr lang="zh-CN" altLang="en-US" sz="1800" b="0" spc="100" dirty="0">
+              <a:latin typeface="宋体" panose="02010600030101010101" pitchFamily="2" charset="-122"/>
+            </a:endParaRPr>
           </a:p>
         </p:txBody>
       </p:sp>
     </p:spTree>
-    <p:extLst>
-      <p:ext uri="{BB962C8B-B14F-4D97-AF65-F5344CB8AC3E}">
-        <p14:creationId xmlns:p14="http://schemas.microsoft.com/office/powerpoint/2010/main" val="1155121681"/>
-      </p:ext>
-    </p:extLst>
   </p:cSld>
   <p:clrMapOvr>
     <a:masterClrMapping/>
   </p:clrMapOvr>
 </p:sld>
+</file>
+
+<file path=ppt/slides/slide6.xml><?xml version="1.0" encoding="utf-8"?>
+<p:sld xmlns:a="http://schemas.openxmlformats.org/drawingml/2006/main" xmlns:r="http://schemas.openxmlformats.org/officeDocument/2006/relationships" xmlns:p="http://schemas.openxmlformats.org/presentationml/2006/main">
+  <p:cSld>
+    <p:spTree>
+      <p:nvGrpSpPr>
+        <p:cNvPr id="1" name=""/>
+        <p:cNvGrpSpPr/>
+        <p:nvPr/>
+      </p:nvGrpSpPr>
+      <p:grpSpPr>
+        <a:xfrm>
+          <a:off x="0" y="0"/>
+          <a:ext cx="0" cy="0"/>
+          <a:chOff x="0" y="0"/>
+          <a:chExt cx="0" cy="0"/>
+        </a:xfrm>
+      </p:grpSpPr>
+      <p:sp>
+        <p:nvSpPr>
+          <p:cNvPr id="2" name="标题 1"/>
+          <p:cNvSpPr>
+            <a:spLocks noGrp="1"/>
+          </p:cNvSpPr>
+          <p:nvPr>
+            <p:ph type="title"/>
+          </p:nvPr>
+        </p:nvSpPr>
+        <p:spPr/>
+        <p:txBody>
+          <a:bodyPr/>
+          <a:lstStyle/>
+          <a:p>
+            <a:r>
+              <a:rPr lang="en-US" altLang="zh-CN" sz="4400" dirty="0"/>
+              <a:t>KNN</a:t>
+            </a:r>
+            <a:r>
+              <a:rPr lang="zh-CN" altLang="en-US" sz="4400" dirty="0"/>
+              <a:t>算法应用</a:t>
+            </a:r>
+            <a:endParaRPr lang="zh-CN" altLang="en-US" sz="4400" dirty="0"/>
+          </a:p>
+        </p:txBody>
+      </p:sp>
+      <p:sp>
+        <p:nvSpPr>
+          <p:cNvPr id="3" name="内容占位符 2"/>
+          <p:cNvSpPr>
+            <a:spLocks noGrp="1"/>
+          </p:cNvSpPr>
+          <p:nvPr>
+            <p:ph idx="1"/>
+          </p:nvPr>
+        </p:nvSpPr>
+        <p:spPr>
+          <a:xfrm>
+            <a:off x="381110" y="1295456"/>
+            <a:ext cx="8229600" cy="5029200"/>
+          </a:xfrm>
+        </p:spPr>
+        <p:txBody>
+          <a:bodyPr/>
+          <a:lstStyle/>
+          <a:p>
+            <a:pPr marL="0" indent="457200">
+              <a:lnSpc>
+                <a:spcPct val="150000"/>
+              </a:lnSpc>
+              <a:buNone/>
+            </a:pPr>
+            <a:r>
+              <a:rPr lang="zh-CN" altLang="en-US" sz="1800" spc="100" dirty="0">
+                <a:latin typeface="宋体" panose="02010600030101010101" pitchFamily="2" charset="-122"/>
+                <a:ea typeface="宋体" panose="02010600030101010101" pitchFamily="2" charset="-122"/>
+              </a:rPr>
+              <a:t>海</a:t>
+            </a:r>
+            <a:r>
+              <a:rPr lang="zh-CN" altLang="en-US" sz="1800" spc="100" dirty="0" smtClean="0">
+                <a:latin typeface="宋体" panose="02010600030101010101" pitchFamily="2" charset="-122"/>
+                <a:ea typeface="宋体" panose="02010600030101010101" pitchFamily="2" charset="-122"/>
+              </a:rPr>
+              <a:t>伦女士收集</a:t>
+            </a:r>
+            <a:r>
+              <a:rPr lang="zh-CN" altLang="en-US" sz="1800" spc="100" dirty="0">
+                <a:latin typeface="宋体" panose="02010600030101010101" pitchFamily="2" charset="-122"/>
+                <a:ea typeface="宋体" panose="02010600030101010101" pitchFamily="2" charset="-122"/>
+              </a:rPr>
+              <a:t>约会数据已经有了一段时间，她把这些数据存放在文本文件</a:t>
+            </a:r>
+            <a:r>
+              <a:rPr lang="en-US" altLang="zh-CN" sz="1800" spc="100" dirty="0">
+                <a:latin typeface="宋体" panose="02010600030101010101" pitchFamily="2" charset="-122"/>
+                <a:ea typeface="宋体" panose="02010600030101010101" pitchFamily="2" charset="-122"/>
+              </a:rPr>
+              <a:t>datingTestSet.txt</a:t>
+            </a:r>
+            <a:r>
+              <a:rPr lang="zh-CN" altLang="en-US" sz="1800" spc="100" dirty="0">
+                <a:latin typeface="宋体" panose="02010600030101010101" pitchFamily="2" charset="-122"/>
+                <a:ea typeface="宋体" panose="02010600030101010101" pitchFamily="2" charset="-122"/>
+              </a:rPr>
+              <a:t>中，每个样本数据占据一行，总共有</a:t>
+            </a:r>
+            <a:r>
+              <a:rPr lang="en-US" altLang="zh-CN" sz="1800" spc="100" dirty="0">
+                <a:latin typeface="宋体" panose="02010600030101010101" pitchFamily="2" charset="-122"/>
+                <a:ea typeface="宋体" panose="02010600030101010101" pitchFamily="2" charset="-122"/>
+              </a:rPr>
+              <a:t>1000</a:t>
+            </a:r>
+            <a:r>
+              <a:rPr lang="zh-CN" altLang="en-US" sz="1800" spc="100" dirty="0">
+                <a:latin typeface="宋体" panose="02010600030101010101" pitchFamily="2" charset="-122"/>
+                <a:ea typeface="宋体" panose="02010600030101010101" pitchFamily="2" charset="-122"/>
+              </a:rPr>
+              <a:t>行</a:t>
+            </a:r>
+            <a:r>
+              <a:rPr lang="en-US" altLang="zh-CN" sz="1800" spc="100" dirty="0">
+                <a:latin typeface="宋体" panose="02010600030101010101" pitchFamily="2" charset="-122"/>
+                <a:ea typeface="宋体" panose="02010600030101010101" pitchFamily="2" charset="-122"/>
+              </a:rPr>
+              <a:t>,</a:t>
+            </a:r>
+            <a:r>
+              <a:rPr lang="zh-CN" altLang="en-US" sz="1800" spc="100" dirty="0">
+                <a:latin typeface="宋体" panose="02010600030101010101" pitchFamily="2" charset="-122"/>
+                <a:ea typeface="宋体" panose="02010600030101010101" pitchFamily="2" charset="-122"/>
+              </a:rPr>
+              <a:t>样本数据主要包含以下</a:t>
+            </a:r>
+            <a:r>
+              <a:rPr lang="en-US" altLang="zh-CN" sz="1800" spc="100" dirty="0">
+                <a:latin typeface="宋体" panose="02010600030101010101" pitchFamily="2" charset="-122"/>
+                <a:ea typeface="宋体" panose="02010600030101010101" pitchFamily="2" charset="-122"/>
+              </a:rPr>
+              <a:t>3</a:t>
+            </a:r>
+            <a:r>
+              <a:rPr lang="zh-CN" altLang="en-US" sz="1800" spc="100" dirty="0">
+                <a:latin typeface="宋体" panose="02010600030101010101" pitchFamily="2" charset="-122"/>
+                <a:ea typeface="宋体" panose="02010600030101010101" pitchFamily="2" charset="-122"/>
+              </a:rPr>
+              <a:t>种特征</a:t>
+            </a:r>
+            <a:r>
+              <a:rPr lang="zh-CN" altLang="en-US" sz="1800" spc="100" dirty="0">
+                <a:latin typeface="宋体" panose="02010600030101010101" pitchFamily="2" charset="-122"/>
+                <a:ea typeface="宋体" panose="02010600030101010101" pitchFamily="2" charset="-122"/>
+              </a:rPr>
+              <a:t>：</a:t>
+            </a:r>
+            <a:endParaRPr lang="en-US" altLang="zh-CN" sz="1800" spc="100" dirty="0">
+              <a:latin typeface="宋体" panose="02010600030101010101" pitchFamily="2" charset="-122"/>
+              <a:ea typeface="宋体" panose="02010600030101010101" pitchFamily="2" charset="-122"/>
+            </a:endParaRPr>
+          </a:p>
+          <a:p>
+            <a:pPr>
+              <a:buFont typeface="+mj-lt"/>
+              <a:buAutoNum type="arabicPeriod"/>
+            </a:pPr>
+            <a:r>
+              <a:rPr lang="zh-CN" altLang="en-US" sz="1800" spc="100" dirty="0">
+                <a:latin typeface="宋体" panose="02010600030101010101" pitchFamily="2" charset="-122"/>
+                <a:ea typeface="宋体" panose="02010600030101010101" pitchFamily="2" charset="-122"/>
+              </a:rPr>
+              <a:t>每年获得的飞行常客里程</a:t>
+            </a:r>
+            <a:r>
+              <a:rPr lang="zh-CN" altLang="en-US" sz="1800" spc="100" dirty="0" smtClean="0">
+                <a:latin typeface="宋体" panose="02010600030101010101" pitchFamily="2" charset="-122"/>
+                <a:ea typeface="宋体" panose="02010600030101010101" pitchFamily="2" charset="-122"/>
+              </a:rPr>
+              <a:t>数</a:t>
+            </a:r>
+            <a:endParaRPr lang="en-US" altLang="zh-CN" sz="1800" spc="100" dirty="0" smtClean="0">
+              <a:latin typeface="宋体" panose="02010600030101010101" pitchFamily="2" charset="-122"/>
+              <a:ea typeface="宋体" panose="02010600030101010101" pitchFamily="2" charset="-122"/>
+            </a:endParaRPr>
+          </a:p>
+          <a:p>
+            <a:pPr>
+              <a:buFont typeface="+mj-lt"/>
+              <a:buAutoNum type="arabicPeriod"/>
+            </a:pPr>
+            <a:r>
+              <a:rPr lang="zh-CN" altLang="en-US" sz="1800" spc="100" dirty="0" smtClean="0">
+                <a:latin typeface="宋体" panose="02010600030101010101" pitchFamily="2" charset="-122"/>
+                <a:ea typeface="宋体" panose="02010600030101010101" pitchFamily="2" charset="-122"/>
+              </a:rPr>
+              <a:t>玩</a:t>
+            </a:r>
+            <a:r>
+              <a:rPr lang="zh-CN" altLang="en-US" sz="1800" spc="100" dirty="0">
+                <a:latin typeface="宋体" panose="02010600030101010101" pitchFamily="2" charset="-122"/>
+                <a:ea typeface="宋体" panose="02010600030101010101" pitchFamily="2" charset="-122"/>
+              </a:rPr>
+              <a:t>视频游戏所消耗时间</a:t>
+            </a:r>
+            <a:r>
+              <a:rPr lang="zh-CN" altLang="en-US" sz="1800" spc="100" dirty="0" smtClean="0">
+                <a:latin typeface="宋体" panose="02010600030101010101" pitchFamily="2" charset="-122"/>
+                <a:ea typeface="宋体" panose="02010600030101010101" pitchFamily="2" charset="-122"/>
+              </a:rPr>
+              <a:t>百分比</a:t>
+            </a:r>
+            <a:endParaRPr lang="en-US" altLang="zh-CN" sz="1800" spc="100" dirty="0" smtClean="0">
+              <a:latin typeface="宋体" panose="02010600030101010101" pitchFamily="2" charset="-122"/>
+              <a:ea typeface="宋体" panose="02010600030101010101" pitchFamily="2" charset="-122"/>
+            </a:endParaRPr>
+          </a:p>
+          <a:p>
+            <a:pPr>
+              <a:buFont typeface="+mj-lt"/>
+              <a:buAutoNum type="arabicPeriod"/>
+            </a:pPr>
+            <a:r>
+              <a:rPr lang="zh-CN" altLang="en-US" sz="1800" spc="100" dirty="0" smtClean="0">
+                <a:latin typeface="宋体" panose="02010600030101010101" pitchFamily="2" charset="-122"/>
+                <a:ea typeface="宋体" panose="02010600030101010101" pitchFamily="2" charset="-122"/>
+              </a:rPr>
+              <a:t>每</a:t>
+            </a:r>
+            <a:r>
+              <a:rPr lang="zh-CN" altLang="en-US" sz="1800" spc="100" dirty="0">
+                <a:latin typeface="宋体" panose="02010600030101010101" pitchFamily="2" charset="-122"/>
+                <a:ea typeface="宋体" panose="02010600030101010101" pitchFamily="2" charset="-122"/>
+              </a:rPr>
+              <a:t>周消费的冰淇淋公升</a:t>
+            </a:r>
+            <a:r>
+              <a:rPr lang="zh-CN" altLang="en-US" sz="1800" spc="100" dirty="0" smtClean="0">
+                <a:latin typeface="宋体" panose="02010600030101010101" pitchFamily="2" charset="-122"/>
+                <a:ea typeface="宋体" panose="02010600030101010101" pitchFamily="2" charset="-122"/>
+              </a:rPr>
+              <a:t>数</a:t>
+            </a:r>
+            <a:endParaRPr lang="en-US" altLang="zh-CN" sz="1800" spc="100" dirty="0" smtClean="0">
+              <a:latin typeface="宋体" panose="02010600030101010101" pitchFamily="2" charset="-122"/>
+              <a:ea typeface="宋体" panose="02010600030101010101" pitchFamily="2" charset="-122"/>
+            </a:endParaRPr>
+          </a:p>
+          <a:p>
+            <a:pPr>
+              <a:buFont typeface="+mj-lt"/>
+              <a:buAutoNum type="arabicPeriod"/>
+            </a:pPr>
+            <a:endParaRPr lang="en-US" altLang="zh-CN" sz="1800" spc="100" dirty="0">
+              <a:latin typeface="宋体" panose="02010600030101010101" pitchFamily="2" charset="-122"/>
+              <a:ea typeface="宋体" panose="02010600030101010101" pitchFamily="2" charset="-122"/>
+            </a:endParaRPr>
+          </a:p>
+          <a:p>
+            <a:pPr marL="0" indent="0">
+              <a:buNone/>
+            </a:pPr>
+            <a:r>
+              <a:rPr lang="en-US" altLang="zh-CN" sz="1800" spc="100" dirty="0">
+                <a:latin typeface="宋体" panose="02010600030101010101" pitchFamily="2" charset="-122"/>
+                <a:ea typeface="宋体" panose="02010600030101010101" pitchFamily="2" charset="-122"/>
+              </a:rPr>
+              <a:t> </a:t>
+            </a:r>
+            <a:r>
+              <a:rPr lang="en-US" altLang="zh-CN" sz="1800" spc="100" dirty="0" smtClean="0">
+                <a:latin typeface="宋体" panose="02010600030101010101" pitchFamily="2" charset="-122"/>
+                <a:ea typeface="宋体" panose="02010600030101010101" pitchFamily="2" charset="-122"/>
+              </a:rPr>
+              <a:t>  </a:t>
+            </a:r>
+            <a:r>
+              <a:rPr lang="zh-CN" altLang="en-US" sz="1800" spc="100" dirty="0" smtClean="0">
+                <a:latin typeface="宋体" panose="02010600030101010101" pitchFamily="2" charset="-122"/>
+                <a:ea typeface="宋体" panose="02010600030101010101" pitchFamily="2" charset="-122"/>
+              </a:rPr>
+              <a:t>样本集数据如右图所示，最后一列</a:t>
+            </a:r>
+            <a:endParaRPr lang="en-US" altLang="zh-CN" sz="1800" spc="100" dirty="0" smtClean="0">
+              <a:latin typeface="宋体" panose="02010600030101010101" pitchFamily="2" charset="-122"/>
+              <a:ea typeface="宋体" panose="02010600030101010101" pitchFamily="2" charset="-122"/>
+            </a:endParaRPr>
+          </a:p>
+          <a:p>
+            <a:pPr marL="0" indent="0">
+              <a:buNone/>
+            </a:pPr>
+            <a:r>
+              <a:rPr lang="zh-CN" altLang="en-US" sz="1800" spc="100" dirty="0" smtClean="0">
+                <a:latin typeface="宋体" panose="02010600030101010101" pitchFamily="2" charset="-122"/>
+                <a:ea typeface="宋体" panose="02010600030101010101" pitchFamily="2" charset="-122"/>
+              </a:rPr>
+              <a:t>现在要根据陌生人提供的信息判断海伦</a:t>
+            </a:r>
+            <a:endParaRPr lang="en-US" altLang="zh-CN" sz="1800" spc="100" dirty="0" smtClean="0">
+              <a:latin typeface="宋体" panose="02010600030101010101" pitchFamily="2" charset="-122"/>
+              <a:ea typeface="宋体" panose="02010600030101010101" pitchFamily="2" charset="-122"/>
+            </a:endParaRPr>
+          </a:p>
+          <a:p>
+            <a:pPr marL="0" indent="0">
+              <a:buNone/>
+            </a:pPr>
+            <a:r>
+              <a:rPr lang="zh-CN" altLang="en-US" sz="1800" spc="100" dirty="0" smtClean="0">
+                <a:latin typeface="宋体" panose="02010600030101010101" pitchFamily="2" charset="-122"/>
+                <a:ea typeface="宋体" panose="02010600030101010101" pitchFamily="2" charset="-122"/>
+              </a:rPr>
+              <a:t>女士对他的喜欢程度。</a:t>
+            </a:r>
+            <a:endParaRPr lang="en-US" altLang="zh-CN" sz="1800" spc="100" dirty="0" smtClean="0">
+              <a:latin typeface="宋体" panose="02010600030101010101" pitchFamily="2" charset="-122"/>
+              <a:ea typeface="宋体" panose="02010600030101010101" pitchFamily="2" charset="-122"/>
+            </a:endParaRPr>
+          </a:p>
+        </p:txBody>
+      </p:sp>
+      <p:pic>
+        <p:nvPicPr>
+          <p:cNvPr id="4" name="图片 3"/>
+          <p:cNvPicPr>
+            <a:picLocks noChangeAspect="1"/>
+          </p:cNvPicPr>
+          <p:nvPr/>
+        </p:nvPicPr>
+        <p:blipFill>
+          <a:blip r:embed="rId1"/>
+          <a:stretch>
+            <a:fillRect/>
+          </a:stretch>
+        </p:blipFill>
+        <p:spPr>
+          <a:xfrm>
+            <a:off x="5029188" y="2209832"/>
+            <a:ext cx="3303544" cy="4099933"/>
+          </a:xfrm>
+          <a:prstGeom prst="rect">
+            <a:avLst/>
+          </a:prstGeom>
+        </p:spPr>
+      </p:pic>
+    </p:spTree>
+  </p:cSld>
+  <p:clrMapOvr>
+    <a:masterClrMapping/>
+  </p:clrMapOvr>
+</p:sld>
+</file>
+
+<file path=ppt/slides/slide7.xml><?xml version="1.0" encoding="utf-8"?>
+<p:sld xmlns:a="http://schemas.openxmlformats.org/drawingml/2006/main" xmlns:r="http://schemas.openxmlformats.org/officeDocument/2006/relationships" xmlns:p="http://schemas.openxmlformats.org/presentationml/2006/main">
+  <p:cSld>
+    <p:spTree>
+      <p:nvGrpSpPr>
+        <p:cNvPr id="1" name=""/>
+        <p:cNvGrpSpPr/>
+        <p:nvPr/>
+      </p:nvGrpSpPr>
+      <p:grpSpPr>
+        <a:xfrm>
+          <a:off x="0" y="0"/>
+          <a:ext cx="0" cy="0"/>
+          <a:chOff x="0" y="0"/>
+          <a:chExt cx="0" cy="0"/>
+        </a:xfrm>
+      </p:grpSpPr>
+      <p:sp>
+        <p:nvSpPr>
+          <p:cNvPr id="2" name="标题 1"/>
+          <p:cNvSpPr>
+            <a:spLocks noGrp="1"/>
+          </p:cNvSpPr>
+          <p:nvPr>
+            <p:ph type="title"/>
+          </p:nvPr>
+        </p:nvSpPr>
+        <p:spPr/>
+        <p:txBody>
+          <a:bodyPr/>
+          <a:lstStyle/>
+          <a:p>
+            <a:r>
+              <a:rPr lang="zh-CN" altLang="en-US" sz="4400" dirty="0"/>
+              <a:t>数据解析</a:t>
+            </a:r>
+            <a:endParaRPr lang="zh-CN" altLang="en-US" sz="4400" dirty="0"/>
+          </a:p>
+        </p:txBody>
+      </p:sp>
+      <p:sp>
+        <p:nvSpPr>
+          <p:cNvPr id="3" name="内容占位符 2"/>
+          <p:cNvSpPr>
+            <a:spLocks noGrp="1"/>
+          </p:cNvSpPr>
+          <p:nvPr>
+            <p:ph idx="1"/>
+          </p:nvPr>
+        </p:nvSpPr>
+        <p:spPr>
+          <a:xfrm>
+            <a:off x="457200" y="1295400"/>
+            <a:ext cx="8229600" cy="1295422"/>
+          </a:xfrm>
+        </p:spPr>
+        <p:txBody>
+          <a:bodyPr/>
+          <a:lstStyle/>
+          <a:p>
+            <a:pPr marL="0" indent="457200">
+              <a:lnSpc>
+                <a:spcPct val="150000"/>
+              </a:lnSpc>
+              <a:buNone/>
+            </a:pPr>
+            <a:r>
+              <a:rPr lang="zh-CN" altLang="en-US" sz="1800" spc="100" dirty="0">
+                <a:latin typeface="宋体" panose="02010600030101010101" pitchFamily="2" charset="-122"/>
+                <a:ea typeface="宋体" panose="02010600030101010101" pitchFamily="2" charset="-122"/>
+              </a:rPr>
+              <a:t>在将上述特征数据输入到分类器前，必须将待处理的数据的格式改变为分类器可以接收的格式</a:t>
+            </a:r>
+            <a:r>
+              <a:rPr lang="zh-CN" altLang="en-US" sz="1800" spc="100" dirty="0">
+                <a:latin typeface="宋体" panose="02010600030101010101" pitchFamily="2" charset="-122"/>
+                <a:ea typeface="宋体" panose="02010600030101010101" pitchFamily="2" charset="-122"/>
+              </a:rPr>
+              <a:t>。</a:t>
+            </a:r>
+            <a:r>
+              <a:rPr lang="zh-CN" altLang="en-US" sz="1800" spc="100" dirty="0">
+                <a:latin typeface="宋体" panose="02010600030101010101" pitchFamily="2" charset="-122"/>
+                <a:ea typeface="宋体" panose="02010600030101010101" pitchFamily="2" charset="-122"/>
+              </a:rPr>
+              <a:t>要将数据分类两部分，即特征矩阵和对应的分类标签向量</a:t>
+            </a:r>
+            <a:r>
+              <a:rPr lang="zh-CN" altLang="en-US" sz="1800" spc="100" dirty="0" smtClean="0">
+                <a:latin typeface="宋体" panose="02010600030101010101" pitchFamily="2" charset="-122"/>
+                <a:ea typeface="宋体" panose="02010600030101010101" pitchFamily="2" charset="-122"/>
+              </a:rPr>
+              <a:t>。</a:t>
+            </a:r>
+            <a:endParaRPr lang="en-US" altLang="zh-CN" sz="1800" spc="100" dirty="0" smtClean="0">
+              <a:latin typeface="宋体" panose="02010600030101010101" pitchFamily="2" charset="-122"/>
+              <a:ea typeface="宋体" panose="02010600030101010101" pitchFamily="2" charset="-122"/>
+            </a:endParaRPr>
+          </a:p>
+        </p:txBody>
+      </p:sp>
+      <p:pic>
+        <p:nvPicPr>
+          <p:cNvPr id="6" name="图片 5"/>
+          <p:cNvPicPr>
+            <a:picLocks noChangeAspect="1"/>
+          </p:cNvPicPr>
+          <p:nvPr/>
+        </p:nvPicPr>
+        <p:blipFill>
+          <a:blip r:embed="rId1"/>
+          <a:stretch>
+            <a:fillRect/>
+          </a:stretch>
+        </p:blipFill>
+        <p:spPr>
+          <a:xfrm>
+            <a:off x="2590852" y="2362228"/>
+            <a:ext cx="3581414" cy="1572550"/>
+          </a:xfrm>
+          <a:prstGeom prst="rect">
+            <a:avLst/>
+          </a:prstGeom>
+        </p:spPr>
+      </p:pic>
+      <p:pic>
+        <p:nvPicPr>
+          <p:cNvPr id="7" name="图片 6"/>
+          <p:cNvPicPr>
+            <a:picLocks noChangeAspect="1"/>
+          </p:cNvPicPr>
+          <p:nvPr/>
+        </p:nvPicPr>
+        <p:blipFill>
+          <a:blip r:embed="rId2" cstate="print">
+            <a:extLst>
+              <a:ext uri="{28A0092B-C50C-407E-A947-70E740481C1C}">
+                <a14:useLocalDpi xmlns:a14="http://schemas.microsoft.com/office/drawing/2010/main" val="0"/>
+              </a:ext>
+            </a:extLst>
+          </a:blip>
+          <a:stretch>
+            <a:fillRect/>
+          </a:stretch>
+        </p:blipFill>
+        <p:spPr>
+          <a:xfrm>
+            <a:off x="990694" y="3941115"/>
+            <a:ext cx="7280525" cy="2679324"/>
+          </a:xfrm>
+          <a:prstGeom prst="rect">
+            <a:avLst/>
+          </a:prstGeom>
+        </p:spPr>
+      </p:pic>
+    </p:spTree>
+  </p:cSld>
+  <p:clrMapOvr>
+    <a:masterClrMapping/>
+  </p:clrMapOvr>
+</p:sld>
+</file>
+
+<file path=ppt/slides/slide8.xml><?xml version="1.0" encoding="utf-8"?>
+<p:sld xmlns:a="http://schemas.openxmlformats.org/drawingml/2006/main" xmlns:r="http://schemas.openxmlformats.org/officeDocument/2006/relationships" xmlns:p="http://schemas.openxmlformats.org/presentationml/2006/main">
+  <p:cSld>
+    <p:spTree>
+      <p:nvGrpSpPr>
+        <p:cNvPr id="1" name=""/>
+        <p:cNvGrpSpPr/>
+        <p:nvPr/>
+      </p:nvGrpSpPr>
+      <p:grpSpPr>
+        <a:xfrm>
+          <a:off x="0" y="0"/>
+          <a:ext cx="0" cy="0"/>
+          <a:chOff x="0" y="0"/>
+          <a:chExt cx="0" cy="0"/>
+        </a:xfrm>
+      </p:grpSpPr>
+      <p:sp>
+        <p:nvSpPr>
+          <p:cNvPr id="2" name="标题 1"/>
+          <p:cNvSpPr>
+            <a:spLocks noGrp="1"/>
+          </p:cNvSpPr>
+          <p:nvPr>
+            <p:ph type="title"/>
+          </p:nvPr>
+        </p:nvSpPr>
+        <p:spPr/>
+        <p:txBody>
+          <a:bodyPr/>
+          <a:lstStyle/>
+          <a:p>
+            <a:r>
+              <a:rPr lang="zh-CN" altLang="en-US" sz="4400" dirty="0"/>
+              <a:t>数据归一化</a:t>
+            </a:r>
+            <a:endParaRPr lang="zh-CN" altLang="en-US" sz="4400" dirty="0"/>
+          </a:p>
+        </p:txBody>
+      </p:sp>
+      <p:pic>
+        <p:nvPicPr>
+          <p:cNvPr id="3" name="图片 2" descr="数据归一化"/>
+          <p:cNvPicPr>
+            <a:picLocks noChangeAspect="1"/>
+          </p:cNvPicPr>
+          <p:nvPr>
+            <p:custDataLst>
+              <p:tags r:id="rId1"/>
+            </p:custDataLst>
+          </p:nvPr>
+        </p:nvPicPr>
+        <p:blipFill>
+          <a:blip r:embed="rId2"/>
+          <a:stretch>
+            <a:fillRect/>
+          </a:stretch>
+        </p:blipFill>
+        <p:spPr>
+          <a:xfrm>
+            <a:off x="152400" y="1143000"/>
+            <a:ext cx="8475345" cy="1743710"/>
+          </a:xfrm>
+          <a:prstGeom prst="rect">
+            <a:avLst/>
+          </a:prstGeom>
+        </p:spPr>
+      </p:pic>
+      <p:sp>
+        <p:nvSpPr>
+          <p:cNvPr id="5" name="文本框 4"/>
+          <p:cNvSpPr txBox="1"/>
+          <p:nvPr/>
+        </p:nvSpPr>
+        <p:spPr>
+          <a:xfrm>
+            <a:off x="338455" y="2743200"/>
+            <a:ext cx="8103870" cy="922020"/>
+          </a:xfrm>
+          <a:prstGeom prst="rect">
+            <a:avLst/>
+          </a:prstGeom>
+          <a:noFill/>
+        </p:spPr>
+        <p:txBody>
+          <a:bodyPr wrap="square" rtlCol="0">
+            <a:spAutoFit/>
+          </a:bodyPr>
+          <a:p>
+            <a:pPr algn="just"/>
+            <a:r>
+              <a:rPr lang="zh-CN" altLang="en-US" sz="1800" b="0" spc="100" dirty="0" smtClean="0">
+                <a:latin typeface="宋体" panose="02010600030101010101" pitchFamily="2" charset="-122"/>
+              </a:rPr>
+              <a:t>给出了四组样本，如果想要计算样本3和样本4之间的距离，可以使用欧式距离公式计算，计算方法如下</a:t>
+            </a:r>
+            <a:r>
+              <a:rPr lang="zh-CN" altLang="en-US" sz="1800" b="0" spc="100" dirty="0" smtClean="0">
+                <a:latin typeface="宋体" panose="02010600030101010101" pitchFamily="2" charset="-122"/>
+              </a:rPr>
+              <a:t>所示：</a:t>
+            </a:r>
+            <a:endParaRPr lang="zh-CN" altLang="en-US" sz="1800" b="0" spc="100" dirty="0" smtClean="0">
+              <a:latin typeface="宋体" panose="02010600030101010101" pitchFamily="2" charset="-122"/>
+            </a:endParaRPr>
+          </a:p>
+          <a:p>
+            <a:pPr algn="just"/>
+            <a:endParaRPr lang="zh-CN" altLang="en-US" sz="1800" b="0" spc="100" dirty="0" smtClean="0">
+              <a:latin typeface="宋体" panose="02010600030101010101" pitchFamily="2" charset="-122"/>
+            </a:endParaRPr>
+          </a:p>
+        </p:txBody>
+      </p:sp>
+      <p:pic>
+        <p:nvPicPr>
+          <p:cNvPr id="6" name="图片 5"/>
+          <p:cNvPicPr>
+            <a:picLocks noChangeAspect="1"/>
+          </p:cNvPicPr>
+          <p:nvPr/>
+        </p:nvPicPr>
+        <p:blipFill>
+          <a:blip r:embed="rId3"/>
+          <a:stretch>
+            <a:fillRect/>
+          </a:stretch>
+        </p:blipFill>
+        <p:spPr>
+          <a:xfrm>
+            <a:off x="2209800" y="3352800"/>
+            <a:ext cx="4143375" cy="333375"/>
+          </a:xfrm>
+          <a:prstGeom prst="rect">
+            <a:avLst/>
+          </a:prstGeom>
+        </p:spPr>
+      </p:pic>
+      <p:sp>
+        <p:nvSpPr>
+          <p:cNvPr id="7" name="文本框 6"/>
+          <p:cNvSpPr txBox="1"/>
+          <p:nvPr/>
+        </p:nvSpPr>
+        <p:spPr>
+          <a:xfrm>
+            <a:off x="396240" y="3733800"/>
+            <a:ext cx="7988300" cy="2306955"/>
+          </a:xfrm>
+          <a:prstGeom prst="rect">
+            <a:avLst/>
+          </a:prstGeom>
+          <a:noFill/>
+        </p:spPr>
+        <p:txBody>
+          <a:bodyPr wrap="square" rtlCol="0">
+            <a:spAutoFit/>
+          </a:bodyPr>
+          <a:p>
+            <a:pPr indent="457200"/>
+            <a:r>
+              <a:rPr lang="zh-CN" altLang="en-US" sz="1800" b="0" spc="100" dirty="0">
+                <a:latin typeface="宋体" panose="02010600030101010101" pitchFamily="2" charset="-122"/>
+              </a:rPr>
+              <a:t>我们很容易发现，上面方程中数字差值最大的属性对计算结果的影响最大，而产生这种现象的唯一原因，仅仅是因为飞行常客里程数远大于其他特征值。但海伦认为这三种特征是同等重要的，因此作为三个等权重的特征之一，飞行常客里程数并不应该如此严重地影响到计算结果。</a:t>
+            </a:r>
+            <a:endParaRPr lang="zh-CN" altLang="en-US" sz="1800" b="0" spc="100" dirty="0">
+              <a:latin typeface="宋体" panose="02010600030101010101" pitchFamily="2" charset="-122"/>
+            </a:endParaRPr>
+          </a:p>
+          <a:p>
+            <a:pPr indent="457200"/>
+            <a:r>
+              <a:rPr lang="zh-CN" altLang="en-US" sz="1800" b="0" spc="100" dirty="0">
+                <a:latin typeface="宋体" panose="02010600030101010101" pitchFamily="2" charset="-122"/>
+              </a:rPr>
+              <a:t>在处理这种不同取值范围的特征值时，我们通常采用的方法是将数值归一化，如将取值范围处理为０到１或者-１到１之间。</a:t>
+            </a:r>
+            <a:endParaRPr lang="zh-CN" altLang="en-US" sz="1800" b="0" spc="100" dirty="0">
+              <a:latin typeface="宋体" panose="02010600030101010101" pitchFamily="2" charset="-122"/>
+            </a:endParaRPr>
+          </a:p>
+          <a:p>
+            <a:pPr indent="457200"/>
+            <a:r>
+              <a:rPr lang="zh-CN" altLang="en-US" sz="1800" b="0" spc="100" dirty="0">
+                <a:latin typeface="宋体" panose="02010600030101010101" pitchFamily="2" charset="-122"/>
+              </a:rPr>
+              <a:t>下面的公式可以将任意取值范围的特征值转化为０到１区间内的值：</a:t>
+            </a:r>
+            <a:endParaRPr lang="zh-CN" altLang="en-US" sz="1800" b="0" spc="100" dirty="0">
+              <a:latin typeface="宋体" panose="02010600030101010101" pitchFamily="2" charset="-122"/>
+            </a:endParaRPr>
+          </a:p>
+          <a:p>
+            <a:pPr indent="457200"/>
+            <a:r>
+              <a:rPr lang="zh-CN" altLang="en-US" sz="1800" b="0" spc="100" dirty="0">
+                <a:latin typeface="宋体" panose="02010600030101010101" pitchFamily="2" charset="-122"/>
+              </a:rPr>
+              <a:t>	newValue = (oldValue - min) / (max - min)</a:t>
+            </a:r>
+            <a:endParaRPr lang="zh-CN" altLang="en-US" sz="1800" b="0" spc="100" dirty="0">
+              <a:latin typeface="宋体" panose="02010600030101010101" pitchFamily="2" charset="-122"/>
+            </a:endParaRPr>
+          </a:p>
+        </p:txBody>
+      </p:sp>
+    </p:spTree>
+  </p:cSld>
+  <p:clrMapOvr>
+    <a:masterClrMapping/>
+  </p:clrMapOvr>
+</p:sld>
+</file>
+
+<file path=ppt/slides/slide9.xml><?xml version="1.0" encoding="utf-8"?>
+<p:sld xmlns:a="http://schemas.openxmlformats.org/drawingml/2006/main" xmlns:r="http://schemas.openxmlformats.org/officeDocument/2006/relationships" xmlns:p="http://schemas.openxmlformats.org/presentationml/2006/main">
+  <p:cSld>
+    <p:spTree>
+      <p:nvGrpSpPr>
+        <p:cNvPr id="1" name=""/>
+        <p:cNvGrpSpPr/>
+        <p:nvPr/>
+      </p:nvGrpSpPr>
+      <p:grpSpPr/>
+      <p:sp>
+        <p:nvSpPr>
+          <p:cNvPr id="2" name="标题 1"/>
+          <p:cNvSpPr>
+            <a:spLocks noGrp="1"/>
+          </p:cNvSpPr>
+          <p:nvPr>
+            <p:ph type="title"/>
+          </p:nvPr>
+        </p:nvSpPr>
+        <p:spPr/>
+        <p:txBody>
+          <a:bodyPr/>
+          <a:p>
+            <a:r>
+              <a:rPr lang="zh-CN" altLang="en-US" sz="4400" dirty="0"/>
+              <a:t>测试算法：验证分类器</a:t>
+            </a:r>
+            <a:endParaRPr lang="zh-CN" altLang="en-US" sz="4400" dirty="0"/>
+          </a:p>
+        </p:txBody>
+      </p:sp>
+      <p:sp>
+        <p:nvSpPr>
+          <p:cNvPr id="3" name="内容占位符 2"/>
+          <p:cNvSpPr>
+            <a:spLocks noGrp="1"/>
+          </p:cNvSpPr>
+          <p:nvPr>
+            <p:ph idx="1"/>
+          </p:nvPr>
+        </p:nvSpPr>
+        <p:spPr>
+          <a:xfrm>
+            <a:off x="457200" y="1295400"/>
+            <a:ext cx="8229600" cy="2366645"/>
+          </a:xfrm>
+        </p:spPr>
+        <p:txBody>
+          <a:bodyPr/>
+          <a:p>
+            <a:pPr marL="0" indent="457200" latinLnBrk="0">
+              <a:lnSpc>
+                <a:spcPct val="150000"/>
+              </a:lnSpc>
+              <a:spcBef>
+                <a:spcPts val="0"/>
+              </a:spcBef>
+              <a:buNone/>
+            </a:pPr>
+            <a:r>
+              <a:rPr lang="zh-CN" altLang="en-US" sz="1800" spc="100" dirty="0" smtClean="0">
+                <a:latin typeface="宋体" panose="02010600030101010101" pitchFamily="2" charset="-122"/>
+                <a:ea typeface="宋体" panose="02010600030101010101" pitchFamily="2" charset="-122"/>
+              </a:rPr>
+              <a:t>通常我们只提供已有数据的90%作为训练样本来训练分类器，而使用其余的10%数据去测试分类器，检测分类器的正确率。</a:t>
+            </a:r>
+            <a:endParaRPr lang="zh-CN" altLang="en-US" sz="1800" spc="100" dirty="0" smtClean="0">
+              <a:latin typeface="宋体" panose="02010600030101010101" pitchFamily="2" charset="-122"/>
+              <a:ea typeface="宋体" panose="02010600030101010101" pitchFamily="2" charset="-122"/>
+            </a:endParaRPr>
+          </a:p>
+          <a:p>
+            <a:pPr marL="0" indent="457200" latinLnBrk="0">
+              <a:lnSpc>
+                <a:spcPct val="150000"/>
+              </a:lnSpc>
+              <a:spcBef>
+                <a:spcPts val="0"/>
+              </a:spcBef>
+              <a:buNone/>
+            </a:pPr>
+            <a:r>
+              <a:rPr lang="zh-CN" altLang="en-US" sz="1800" spc="100" dirty="0" smtClean="0">
+                <a:latin typeface="宋体" panose="02010600030101010101" pitchFamily="2" charset="-122"/>
+                <a:ea typeface="宋体" panose="02010600030101010101" pitchFamily="2" charset="-122"/>
+              </a:rPr>
+              <a:t>需要注意的是，10%的测试数据应该是随机选择的，由于提供的数据并没有按照特定目的来排序，所以我们可以随意选择10%数据而不影响其随机性。</a:t>
+            </a:r>
+            <a:endParaRPr lang="zh-CN" altLang="en-US" sz="1800" spc="100" dirty="0" smtClean="0">
+              <a:latin typeface="宋体" panose="02010600030101010101" pitchFamily="2" charset="-122"/>
+              <a:ea typeface="宋体" panose="02010600030101010101" pitchFamily="2" charset="-122"/>
+            </a:endParaRPr>
+          </a:p>
+        </p:txBody>
+      </p:sp>
+    </p:spTree>
+  </p:cSld>
+  <p:clrMapOvr>
+    <a:masterClrMapping/>
+  </p:clrMapOvr>
+</p:sld>
+</file>
+
+<file path=ppt/tags/tag1.xml><?xml version="1.0" encoding="utf-8"?>
+<p:tagLst xmlns:p="http://schemas.openxmlformats.org/presentationml/2006/main">
+  <p:tag name="KSO_WM_UNIT_PLACING_PICTURE_USER_VIEWPORT" val="{&quot;height&quot;:2963,&quot;width&quot;:14400}"/>
+</p:tagLst>
 </file>
 
 <file path=ppt/theme/theme1.xml><?xml version="1.0" encoding="utf-8"?>
@@ -23506,8 +24383,6 @@
       </a:bgFillStyleLst>
     </a:fmtScheme>
   </a:themeElements>
-  <a:objectDefaults/>
-  <a:extraClrSchemeLst/>
   <a:extLst>
     <a:ext uri="{05A4C25C-085E-4340-85A3-A5531E510DB2}">
       <thm15:themeFamily xmlns:thm15="http://schemas.microsoft.com/office/thememl/2012/main" name="Office Theme" id="{62F939B6-93AF-4DB8-9C6B-D6C7DFDC589F}" vid="{4A3C46E8-61CC-4603-A589-7422A47A8E4A}"/>

--- a/KNN/KNN.pptx
+++ b/KNN/KNN.pptx
@@ -5,18 +5,18 @@
     <p:sldMasterId id="2147483648" r:id="rId1"/>
   </p:sldMasterIdLst>
   <p:notesMasterIdLst>
-    <p:notesMasterId r:id="rId5"/>
+    <p:notesMasterId r:id="rId11"/>
   </p:notesMasterIdLst>
   <p:sldIdLst>
-    <p:sldId id="393" r:id="rId3"/>
-    <p:sldId id="531" r:id="rId4"/>
-    <p:sldId id="554" r:id="rId6"/>
-    <p:sldId id="555" r:id="rId7"/>
-    <p:sldId id="556" r:id="rId8"/>
-    <p:sldId id="557" r:id="rId9"/>
-    <p:sldId id="558" r:id="rId10"/>
-    <p:sldId id="559" r:id="rId11"/>
-    <p:sldId id="560" r:id="rId12"/>
+    <p:sldId id="393" r:id="rId2"/>
+    <p:sldId id="531" r:id="rId3"/>
+    <p:sldId id="554" r:id="rId4"/>
+    <p:sldId id="555" r:id="rId5"/>
+    <p:sldId id="556" r:id="rId6"/>
+    <p:sldId id="557" r:id="rId7"/>
+    <p:sldId id="558" r:id="rId8"/>
+    <p:sldId id="559" r:id="rId9"/>
+    <p:sldId id="560" r:id="rId10"/>
   </p:sldIdLst>
   <p:sldSz cx="9144000" cy="6858000" type="screen4x3"/>
   <p:notesSz cx="6858000" cy="9144000"/>
@@ -205,6 +205,22 @@
       </a:defRPr>
     </a:lvl9pPr>
   </p:defaultTextStyle>
+  <p:extLst>
+    <p:ext uri="{EFAFB233-063F-42B5-8137-9DF3F51BA10A}">
+      <p15:sldGuideLst xmlns:p15="http://schemas.microsoft.com/office/powerpoint/2012/main">
+        <p15:guide id="1" orient="horz" pos="2240">
+          <p15:clr>
+            <a:srgbClr val="A4A3A4"/>
+          </p15:clr>
+        </p15:guide>
+        <p15:guide id="2" pos="2880">
+          <p15:clr>
+            <a:srgbClr val="A4A3A4"/>
+          </p15:clr>
+        </p15:guide>
+      </p15:sldGuideLst>
+    </p:ext>
+  </p:extLst>
 </p:presentation>
 </file>
 
@@ -459,20 +475,6 @@
               </a:rPr>
               <a:t>单击此处编辑母版文本样式</a:t>
             </a:r>
-            <a:endParaRPr kumimoji="0" lang="zh-CN" altLang="zh-CN" sz="1200" b="0" i="0" u="none" strike="noStrike" kern="1200" cap="none" spc="0" normalizeH="0" baseline="0" noProof="0">
-              <a:ln>
-                <a:noFill/>
-              </a:ln>
-              <a:solidFill>
-                <a:schemeClr val="tx1"/>
-              </a:solidFill>
-              <a:effectLst/>
-              <a:uLnTx/>
-              <a:uFillTx/>
-              <a:latin typeface="Arial" panose="020B0604020202020204" pitchFamily="34" charset="0"/>
-              <a:ea typeface="宋体" panose="02010600030101010101" pitchFamily="2" charset="-122"/>
-              <a:cs typeface="+mn-cs"/>
-            </a:endParaRPr>
           </a:p>
           <a:p>
             <a:pPr marL="457200" marR="0" lvl="1" indent="0" algn="l" defTabSz="914400" rtl="0" eaLnBrk="0" fontAlgn="base" latinLnBrk="0" hangingPunct="0">
@@ -508,20 +510,6 @@
               </a:rPr>
               <a:t>第二级</a:t>
             </a:r>
-            <a:endParaRPr kumimoji="0" lang="zh-CN" altLang="zh-CN" sz="1200" b="0" i="0" u="none" strike="noStrike" kern="1200" cap="none" spc="0" normalizeH="0" baseline="0" noProof="0">
-              <a:ln>
-                <a:noFill/>
-              </a:ln>
-              <a:solidFill>
-                <a:schemeClr val="tx1"/>
-              </a:solidFill>
-              <a:effectLst/>
-              <a:uLnTx/>
-              <a:uFillTx/>
-              <a:latin typeface="Arial" panose="020B0604020202020204" pitchFamily="34" charset="0"/>
-              <a:ea typeface="宋体" panose="02010600030101010101" pitchFamily="2" charset="-122"/>
-              <a:cs typeface="+mn-cs"/>
-            </a:endParaRPr>
           </a:p>
           <a:p>
             <a:pPr marL="914400" marR="0" lvl="2" indent="0" algn="l" defTabSz="914400" rtl="0" eaLnBrk="0" fontAlgn="base" latinLnBrk="0" hangingPunct="0">
@@ -557,20 +545,6 @@
               </a:rPr>
               <a:t>第三级</a:t>
             </a:r>
-            <a:endParaRPr kumimoji="0" lang="zh-CN" altLang="zh-CN" sz="1200" b="0" i="0" u="none" strike="noStrike" kern="1200" cap="none" spc="0" normalizeH="0" baseline="0" noProof="0">
-              <a:ln>
-                <a:noFill/>
-              </a:ln>
-              <a:solidFill>
-                <a:schemeClr val="tx1"/>
-              </a:solidFill>
-              <a:effectLst/>
-              <a:uLnTx/>
-              <a:uFillTx/>
-              <a:latin typeface="Arial" panose="020B0604020202020204" pitchFamily="34" charset="0"/>
-              <a:ea typeface="宋体" panose="02010600030101010101" pitchFamily="2" charset="-122"/>
-              <a:cs typeface="+mn-cs"/>
-            </a:endParaRPr>
           </a:p>
           <a:p>
             <a:pPr marL="1371600" marR="0" lvl="3" indent="0" algn="l" defTabSz="914400" rtl="0" eaLnBrk="0" fontAlgn="base" latinLnBrk="0" hangingPunct="0">
@@ -606,20 +580,6 @@
               </a:rPr>
               <a:t>第四级</a:t>
             </a:r>
-            <a:endParaRPr kumimoji="0" lang="zh-CN" altLang="zh-CN" sz="1200" b="0" i="0" u="none" strike="noStrike" kern="1200" cap="none" spc="0" normalizeH="0" baseline="0" noProof="0">
-              <a:ln>
-                <a:noFill/>
-              </a:ln>
-              <a:solidFill>
-                <a:schemeClr val="tx1"/>
-              </a:solidFill>
-              <a:effectLst/>
-              <a:uLnTx/>
-              <a:uFillTx/>
-              <a:latin typeface="Arial" panose="020B0604020202020204" pitchFamily="34" charset="0"/>
-              <a:ea typeface="宋体" panose="02010600030101010101" pitchFamily="2" charset="-122"/>
-              <a:cs typeface="+mn-cs"/>
-            </a:endParaRPr>
           </a:p>
           <a:p>
             <a:pPr marL="1828800" marR="0" lvl="4" indent="0" algn="l" defTabSz="914400" rtl="0" eaLnBrk="0" fontAlgn="base" latinLnBrk="0" hangingPunct="0">
@@ -655,20 +615,6 @@
               </a:rPr>
               <a:t>第五级</a:t>
             </a:r>
-            <a:endParaRPr kumimoji="0" lang="zh-CN" altLang="zh-CN" sz="1200" b="0" i="0" u="none" strike="noStrike" kern="1200" cap="none" spc="0" normalizeH="0" baseline="0" noProof="0">
-              <a:ln>
-                <a:noFill/>
-              </a:ln>
-              <a:solidFill>
-                <a:schemeClr val="tx1"/>
-              </a:solidFill>
-              <a:effectLst/>
-              <a:uLnTx/>
-              <a:uFillTx/>
-              <a:latin typeface="Arial" panose="020B0604020202020204" pitchFamily="34" charset="0"/>
-              <a:ea typeface="宋体" panose="02010600030101010101" pitchFamily="2" charset="-122"/>
-              <a:cs typeface="+mn-cs"/>
-            </a:endParaRPr>
           </a:p>
         </p:txBody>
       </p:sp>
@@ -772,6 +718,7 @@
             </a:pPr>
             <a:fld id="{9A0DB2DC-4C9A-4742-B13C-FB6460FD3503}" type="slidenum">
               <a:rPr lang="zh-CN" altLang="zh-CN" sz="1200" b="0" dirty="0"/>
+              <a:t>‹#›</a:t>
             </a:fld>
             <a:endParaRPr lang="zh-CN" altLang="zh-CN" sz="1200" b="0" dirty="0"/>
           </a:p>
@@ -955,11 +902,44 @@
           <a:bodyPr/>
           <a:lstStyle/>
           <a:p>
+            <a:pPr marL="0" marR="0" indent="0" algn="l" defTabSz="914400" rtl="0" eaLnBrk="0" fontAlgn="base" latinLnBrk="0" hangingPunct="0">
+              <a:lnSpc>
+                <a:spcPct val="100000"/>
+              </a:lnSpc>
+              <a:spcBef>
+                <a:spcPct val="30000"/>
+              </a:spcBef>
+              <a:spcAft>
+                <a:spcPct val="0"/>
+              </a:spcAft>
+              <a:buClrTx/>
+              <a:buSzTx/>
+              <a:buFontTx/>
+              <a:buNone/>
+              <a:tabLst/>
+              <a:defRPr/>
+            </a:pPr>
+            <a:r>
+              <a:rPr lang="zh-CN" altLang="en-US" b="0" dirty="0" smtClean="0"/>
+              <a:t>源码地址：</a:t>
+            </a:r>
+            <a:r>
+              <a:rPr lang="en-US" altLang="zh-CN" b="0" dirty="0" smtClean="0"/>
+              <a:t> https://github.com/RingoTangs/machine-learning/tree/master/KNN</a:t>
+            </a:r>
+            <a:endParaRPr lang="zh-CN" altLang="en-US" b="0" dirty="0" smtClean="0"/>
+          </a:p>
+          <a:p>
             <a:endParaRPr lang="zh-CN" altLang="en-US" dirty="0"/>
           </a:p>
         </p:txBody>
       </p:sp>
     </p:spTree>
+    <p:extLst>
+      <p:ext uri="{BB962C8B-B14F-4D97-AF65-F5344CB8AC3E}">
+        <p14:creationId xmlns:p14="http://schemas.microsoft.com/office/powerpoint/2010/main" val="1726946791"/>
+      </p:ext>
+    </p:extLst>
   </p:cSld>
   <p:clrMapOvr>
     <a:masterClrMapping/>
@@ -1028,8 +1008,69 @@
 </p:notes>
 </file>
 
+<file path=ppt/notesSlides/notesSlide3.xml><?xml version="1.0" encoding="utf-8"?>
+<p:notes xmlns:a="http://schemas.openxmlformats.org/drawingml/2006/main" xmlns:r="http://schemas.openxmlformats.org/officeDocument/2006/relationships" xmlns:p="http://schemas.openxmlformats.org/presentationml/2006/main">
+  <p:cSld>
+    <p:spTree>
+      <p:nvGrpSpPr>
+        <p:cNvPr id="1" name=""/>
+        <p:cNvGrpSpPr/>
+        <p:nvPr/>
+      </p:nvGrpSpPr>
+      <p:grpSpPr>
+        <a:xfrm>
+          <a:off x="0" y="0"/>
+          <a:ext cx="0" cy="0"/>
+          <a:chOff x="0" y="0"/>
+          <a:chExt cx="0" cy="0"/>
+        </a:xfrm>
+      </p:grpSpPr>
+      <p:sp>
+        <p:nvSpPr>
+          <p:cNvPr id="2" name="幻灯片图像占位符 1"/>
+          <p:cNvSpPr>
+            <a:spLocks noGrp="1" noRot="1" noChangeAspect="1"/>
+          </p:cNvSpPr>
+          <p:nvPr>
+            <p:ph type="sldImg"/>
+          </p:nvPr>
+        </p:nvSpPr>
+        <p:spPr>
+          <a:xfrm>
+            <a:off x="1141413" y="685800"/>
+            <a:ext cx="4573587" cy="3429000"/>
+          </a:xfrm>
+        </p:spPr>
+      </p:sp>
+      <p:sp>
+        <p:nvSpPr>
+          <p:cNvPr id="3" name="备注占位符 2"/>
+          <p:cNvSpPr>
+            <a:spLocks noGrp="1"/>
+          </p:cNvSpPr>
+          <p:nvPr>
+            <p:ph type="body" idx="1"/>
+          </p:nvPr>
+        </p:nvSpPr>
+        <p:spPr/>
+        <p:txBody>
+          <a:bodyPr/>
+          <a:lstStyle/>
+          <a:p>
+            <a:endParaRPr lang="zh-CN" altLang="en-US" dirty="0"/>
+          </a:p>
+        </p:txBody>
+      </p:sp>
+    </p:spTree>
+  </p:cSld>
+  <p:clrMapOvr>
+    <a:masterClrMapping/>
+  </p:clrMapOvr>
+</p:notes>
+</file>
+
 <file path=ppt/slideLayouts/slideLayout1.xml><?xml version="1.0" encoding="utf-8"?>
-<p:sldLayout xmlns:a="http://schemas.openxmlformats.org/drawingml/2006/main" xmlns:r="http://schemas.openxmlformats.org/officeDocument/2006/relationships" xmlns:p="http://schemas.openxmlformats.org/presentationml/2006/main" type="title" preserve="1" showMasterSp="0">
+<p:sldLayout xmlns:a="http://schemas.openxmlformats.org/drawingml/2006/main" xmlns:r="http://schemas.openxmlformats.org/officeDocument/2006/relationships" xmlns:p="http://schemas.openxmlformats.org/presentationml/2006/main" showMasterSp="0" type="title" preserve="1">
   <p:cSld name="标题幻灯片">
     <p:bg>
       <p:bgPr>
@@ -18173,6 +18214,7 @@
             </a:pPr>
             <a:fld id="{9A0DB2DC-4C9A-4742-B13C-FB6460FD3503}" type="slidenum">
               <a:rPr lang="zh-CN" altLang="en-US" dirty="0"/>
+              <a:t>‹#›</a:t>
             </a:fld>
             <a:endParaRPr lang="zh-CN" altLang="en-US" dirty="0"/>
           </a:p>
@@ -18222,7 +18264,6 @@
               <a:rPr lang="zh-CN" altLang="en-US"/>
               <a:t>单击此处编辑母版标题样式</a:t>
             </a:r>
-            <a:endParaRPr lang="zh-CN" altLang="en-US"/>
           </a:p>
         </p:txBody>
       </p:sp>
@@ -18246,7 +18287,6 @@
               <a:rPr lang="zh-CN" altLang="en-US"/>
               <a:t>单击此处编辑母版文本样式</a:t>
             </a:r>
-            <a:endParaRPr lang="zh-CN" altLang="en-US"/>
           </a:p>
           <a:p>
             <a:pPr lvl="1"/>
@@ -18254,7 +18294,6 @@
               <a:rPr lang="zh-CN" altLang="en-US"/>
               <a:t>二级</a:t>
             </a:r>
-            <a:endParaRPr lang="zh-CN" altLang="en-US"/>
           </a:p>
           <a:p>
             <a:pPr lvl="2"/>
@@ -18262,7 +18301,6 @@
               <a:rPr lang="zh-CN" altLang="en-US"/>
               <a:t>三级</a:t>
             </a:r>
-            <a:endParaRPr lang="zh-CN" altLang="en-US"/>
           </a:p>
           <a:p>
             <a:pPr lvl="3"/>
@@ -18270,7 +18308,6 @@
               <a:rPr lang="zh-CN" altLang="en-US"/>
               <a:t>四级</a:t>
             </a:r>
-            <a:endParaRPr lang="zh-CN" altLang="en-US"/>
           </a:p>
           <a:p>
             <a:pPr lvl="4"/>
@@ -18278,7 +18315,6 @@
               <a:rPr lang="zh-CN" altLang="en-US"/>
               <a:t>五级</a:t>
             </a:r>
-            <a:endParaRPr lang="zh-CN" altLang="en-US"/>
           </a:p>
         </p:txBody>
       </p:sp>
@@ -18304,6 +18340,7 @@
               <a:rPr lang="zh-CN" altLang="en-US" dirty="0">
                 <a:latin typeface="Arial" panose="020B0604020202020204" pitchFamily="34" charset="0"/>
               </a:rPr>
+              <a:t>‹#›</a:t>
             </a:fld>
             <a:endParaRPr lang="zh-CN" altLang="en-US" dirty="0">
               <a:latin typeface="Arial" panose="020B0604020202020204" pitchFamily="34" charset="0"/>
@@ -18360,7 +18397,6 @@
               <a:rPr lang="zh-CN" altLang="en-US"/>
               <a:t>单击此处编辑母版标题样式</a:t>
             </a:r>
-            <a:endParaRPr lang="zh-CN" altLang="en-US"/>
           </a:p>
         </p:txBody>
       </p:sp>
@@ -18386,6 +18422,7 @@
               <a:rPr lang="zh-CN" altLang="en-US" dirty="0">
                 <a:latin typeface="Arial" panose="020B0604020202020204" pitchFamily="34" charset="0"/>
               </a:rPr>
+              <a:t>‹#›</a:t>
             </a:fld>
             <a:endParaRPr lang="zh-CN" altLang="en-US" dirty="0">
               <a:latin typeface="Arial" panose="020B0604020202020204" pitchFamily="34" charset="0"/>
@@ -18442,7 +18479,6 @@
               <a:rPr lang="zh-CN" altLang="en-US"/>
               <a:t>单击此处编辑母版标题样式</a:t>
             </a:r>
-            <a:endParaRPr lang="zh-CN" altLang="en-US"/>
           </a:p>
         </p:txBody>
       </p:sp>
@@ -18471,7 +18507,6 @@
               <a:rPr lang="zh-CN" altLang="en-US"/>
               <a:t>单击此处编辑母版文本样式</a:t>
             </a:r>
-            <a:endParaRPr lang="zh-CN" altLang="en-US"/>
           </a:p>
           <a:p>
             <a:pPr lvl="1"/>
@@ -18479,7 +18514,6 @@
               <a:rPr lang="zh-CN" altLang="en-US"/>
               <a:t>二级</a:t>
             </a:r>
-            <a:endParaRPr lang="zh-CN" altLang="en-US"/>
           </a:p>
           <a:p>
             <a:pPr lvl="2"/>
@@ -18487,7 +18521,6 @@
               <a:rPr lang="zh-CN" altLang="en-US"/>
               <a:t>三级</a:t>
             </a:r>
-            <a:endParaRPr lang="zh-CN" altLang="en-US"/>
           </a:p>
           <a:p>
             <a:pPr lvl="3"/>
@@ -18495,7 +18528,6 @@
               <a:rPr lang="zh-CN" altLang="en-US"/>
               <a:t>四级</a:t>
             </a:r>
-            <a:endParaRPr lang="zh-CN" altLang="en-US"/>
           </a:p>
           <a:p>
             <a:pPr lvl="4"/>
@@ -18503,7 +18535,6 @@
               <a:rPr lang="zh-CN" altLang="en-US"/>
               <a:t>五级</a:t>
             </a:r>
-            <a:endParaRPr lang="zh-CN" altLang="en-US"/>
           </a:p>
         </p:txBody>
       </p:sp>
@@ -18532,7 +18563,6 @@
               <a:rPr lang="zh-CN" altLang="en-US"/>
               <a:t>单击此处编辑母版文本样式</a:t>
             </a:r>
-            <a:endParaRPr lang="zh-CN" altLang="en-US"/>
           </a:p>
           <a:p>
             <a:pPr lvl="1"/>
@@ -18540,7 +18570,6 @@
               <a:rPr lang="zh-CN" altLang="en-US"/>
               <a:t>二级</a:t>
             </a:r>
-            <a:endParaRPr lang="zh-CN" altLang="en-US"/>
           </a:p>
           <a:p>
             <a:pPr lvl="2"/>
@@ -18548,7 +18577,6 @@
               <a:rPr lang="zh-CN" altLang="en-US"/>
               <a:t>三级</a:t>
             </a:r>
-            <a:endParaRPr lang="zh-CN" altLang="en-US"/>
           </a:p>
           <a:p>
             <a:pPr lvl="3"/>
@@ -18556,7 +18584,6 @@
               <a:rPr lang="zh-CN" altLang="en-US"/>
               <a:t>四级</a:t>
             </a:r>
-            <a:endParaRPr lang="zh-CN" altLang="en-US"/>
           </a:p>
           <a:p>
             <a:pPr lvl="4"/>
@@ -18564,7 +18591,6 @@
               <a:rPr lang="zh-CN" altLang="en-US"/>
               <a:t>五级</a:t>
             </a:r>
-            <a:endParaRPr lang="zh-CN" altLang="en-US"/>
           </a:p>
         </p:txBody>
       </p:sp>
@@ -18593,7 +18619,6 @@
               <a:rPr lang="zh-CN" altLang="en-US"/>
               <a:t>单击此处编辑母版文本样式</a:t>
             </a:r>
-            <a:endParaRPr lang="zh-CN" altLang="en-US"/>
           </a:p>
           <a:p>
             <a:pPr lvl="1"/>
@@ -18601,7 +18626,6 @@
               <a:rPr lang="zh-CN" altLang="en-US"/>
               <a:t>二级</a:t>
             </a:r>
-            <a:endParaRPr lang="zh-CN" altLang="en-US"/>
           </a:p>
           <a:p>
             <a:pPr lvl="2"/>
@@ -18609,7 +18633,6 @@
               <a:rPr lang="zh-CN" altLang="en-US"/>
               <a:t>三级</a:t>
             </a:r>
-            <a:endParaRPr lang="zh-CN" altLang="en-US"/>
           </a:p>
           <a:p>
             <a:pPr lvl="3"/>
@@ -18617,7 +18640,6 @@
               <a:rPr lang="zh-CN" altLang="en-US"/>
               <a:t>四级</a:t>
             </a:r>
-            <a:endParaRPr lang="zh-CN" altLang="en-US"/>
           </a:p>
           <a:p>
             <a:pPr lvl="4"/>
@@ -18625,7 +18647,6 @@
               <a:rPr lang="zh-CN" altLang="en-US"/>
               <a:t>五级</a:t>
             </a:r>
-            <a:endParaRPr lang="zh-CN" altLang="en-US"/>
           </a:p>
         </p:txBody>
       </p:sp>
@@ -18651,6 +18672,7 @@
               <a:rPr lang="zh-CN" altLang="en-US" dirty="0">
                 <a:latin typeface="Arial" panose="020B0604020202020204" pitchFamily="34" charset="0"/>
               </a:rPr>
+              <a:t>‹#›</a:t>
             </a:fld>
             <a:endParaRPr lang="zh-CN" altLang="en-US" dirty="0">
               <a:latin typeface="Arial" panose="020B0604020202020204" pitchFamily="34" charset="0"/>
@@ -18707,7 +18729,6 @@
               <a:rPr lang="zh-CN" altLang="en-US"/>
               <a:t>单击此处编辑母版标题样式</a:t>
             </a:r>
-            <a:endParaRPr lang="zh-CN" altLang="en-US"/>
           </a:p>
         </p:txBody>
       </p:sp>
@@ -18736,7 +18757,6 @@
               <a:rPr lang="zh-CN" altLang="en-US"/>
               <a:t>单击此处编辑母版文本样式</a:t>
             </a:r>
-            <a:endParaRPr lang="zh-CN" altLang="en-US"/>
           </a:p>
           <a:p>
             <a:pPr lvl="1"/>
@@ -18744,7 +18764,6 @@
               <a:rPr lang="zh-CN" altLang="en-US"/>
               <a:t>二级</a:t>
             </a:r>
-            <a:endParaRPr lang="zh-CN" altLang="en-US"/>
           </a:p>
           <a:p>
             <a:pPr lvl="2"/>
@@ -18752,7 +18771,6 @@
               <a:rPr lang="zh-CN" altLang="en-US"/>
               <a:t>三级</a:t>
             </a:r>
-            <a:endParaRPr lang="zh-CN" altLang="en-US"/>
           </a:p>
           <a:p>
             <a:pPr lvl="3"/>
@@ -18760,7 +18778,6 @@
               <a:rPr lang="zh-CN" altLang="en-US"/>
               <a:t>四级</a:t>
             </a:r>
-            <a:endParaRPr lang="zh-CN" altLang="en-US"/>
           </a:p>
           <a:p>
             <a:pPr lvl="4"/>
@@ -18768,7 +18785,6 @@
               <a:rPr lang="zh-CN" altLang="en-US"/>
               <a:t>五级</a:t>
             </a:r>
-            <a:endParaRPr lang="zh-CN" altLang="en-US"/>
           </a:p>
         </p:txBody>
       </p:sp>
@@ -18797,7 +18813,6 @@
               <a:rPr lang="zh-CN" altLang="en-US"/>
               <a:t>单击此处编辑母版文本样式</a:t>
             </a:r>
-            <a:endParaRPr lang="zh-CN" altLang="en-US"/>
           </a:p>
           <a:p>
             <a:pPr lvl="1"/>
@@ -18805,7 +18820,6 @@
               <a:rPr lang="zh-CN" altLang="en-US"/>
               <a:t>二级</a:t>
             </a:r>
-            <a:endParaRPr lang="zh-CN" altLang="en-US"/>
           </a:p>
           <a:p>
             <a:pPr lvl="2"/>
@@ -18813,7 +18827,6 @@
               <a:rPr lang="zh-CN" altLang="en-US"/>
               <a:t>三级</a:t>
             </a:r>
-            <a:endParaRPr lang="zh-CN" altLang="en-US"/>
           </a:p>
           <a:p>
             <a:pPr lvl="3"/>
@@ -18821,7 +18834,6 @@
               <a:rPr lang="zh-CN" altLang="en-US"/>
               <a:t>四级</a:t>
             </a:r>
-            <a:endParaRPr lang="zh-CN" altLang="en-US"/>
           </a:p>
           <a:p>
             <a:pPr lvl="4"/>
@@ -18829,7 +18841,6 @@
               <a:rPr lang="zh-CN" altLang="en-US"/>
               <a:t>五级</a:t>
             </a:r>
-            <a:endParaRPr lang="zh-CN" altLang="en-US"/>
           </a:p>
         </p:txBody>
       </p:sp>
@@ -18855,6 +18866,7 @@
               <a:rPr lang="zh-CN" altLang="en-US" dirty="0">
                 <a:latin typeface="Arial" panose="020B0604020202020204" pitchFamily="34" charset="0"/>
               </a:rPr>
+              <a:t>‹#›</a:t>
             </a:fld>
             <a:endParaRPr lang="zh-CN" altLang="en-US" dirty="0">
               <a:latin typeface="Arial" panose="020B0604020202020204" pitchFamily="34" charset="0"/>
@@ -18872,7 +18884,7 @@
 </file>
 
 <file path=ppt/slideLayouts/slideLayout14.xml><?xml version="1.0" encoding="utf-8"?>
-<p:sldLayout xmlns:a="http://schemas.openxmlformats.org/drawingml/2006/main" xmlns:r="http://schemas.openxmlformats.org/officeDocument/2006/relationships" xmlns:p="http://schemas.openxmlformats.org/presentationml/2006/main" type="title" showMasterSp="0">
+<p:sldLayout xmlns:a="http://schemas.openxmlformats.org/drawingml/2006/main" xmlns:r="http://schemas.openxmlformats.org/officeDocument/2006/relationships" xmlns:p="http://schemas.openxmlformats.org/presentationml/2006/main" showMasterSp="0" type="title">
   <p:cSld name="1_标题幻灯片">
     <p:bg>
       <p:bgPr>
@@ -19042,7 +19054,6 @@
               <a:rPr lang="zh-CN" altLang="en-US"/>
               <a:t>单击此处编辑母版文本样式</a:t>
             </a:r>
-            <a:endParaRPr lang="zh-CN" altLang="en-US"/>
           </a:p>
           <a:p>
             <a:pPr lvl="1"/>
@@ -19050,7 +19061,6 @@
               <a:rPr lang="zh-CN" altLang="en-US"/>
               <a:t>二级</a:t>
             </a:r>
-            <a:endParaRPr lang="zh-CN" altLang="en-US"/>
           </a:p>
           <a:p>
             <a:pPr lvl="2"/>
@@ -19058,7 +19068,6 @@
               <a:rPr lang="zh-CN" altLang="en-US"/>
               <a:t>三级</a:t>
             </a:r>
-            <a:endParaRPr lang="zh-CN" altLang="en-US"/>
           </a:p>
           <a:p>
             <a:pPr lvl="3"/>
@@ -19066,7 +19075,6 @@
               <a:rPr lang="zh-CN" altLang="en-US"/>
               <a:t>四级</a:t>
             </a:r>
-            <a:endParaRPr lang="zh-CN" altLang="en-US"/>
           </a:p>
           <a:p>
             <a:pPr lvl="4"/>
@@ -19100,6 +19108,7 @@
               <a:rPr lang="zh-CN" altLang="en-US" dirty="0">
                 <a:latin typeface="Arial" panose="020B0604020202020204" pitchFamily="34" charset="0"/>
               </a:rPr>
+              <a:t>‹#›</a:t>
             </a:fld>
             <a:endParaRPr lang="zh-CN" altLang="en-US" dirty="0">
               <a:latin typeface="Arial" panose="020B0604020202020204" pitchFamily="34" charset="0"/>
@@ -19160,7 +19169,6 @@
               <a:rPr lang="zh-CN" altLang="en-US"/>
               <a:t>单击此处编辑母版标题样式</a:t>
             </a:r>
-            <a:endParaRPr lang="zh-CN" altLang="en-US"/>
           </a:p>
         </p:txBody>
       </p:sp>
@@ -19226,7 +19234,6 @@
               <a:rPr lang="zh-CN" altLang="en-US"/>
               <a:t>单击此处编辑母版文本样式</a:t>
             </a:r>
-            <a:endParaRPr lang="zh-CN" altLang="en-US"/>
           </a:p>
         </p:txBody>
       </p:sp>
@@ -19252,6 +19259,7 @@
               <a:rPr lang="zh-CN" altLang="en-US" dirty="0">
                 <a:latin typeface="Arial" panose="020B0604020202020204" pitchFamily="34" charset="0"/>
               </a:rPr>
+              <a:t>‹#›</a:t>
             </a:fld>
             <a:endParaRPr lang="zh-CN" altLang="en-US" dirty="0">
               <a:latin typeface="Arial" panose="020B0604020202020204" pitchFamily="34" charset="0"/>
@@ -19332,7 +19340,6 @@
               <a:rPr lang="zh-CN" altLang="en-US"/>
               <a:t>单击此处编辑母版文本样式</a:t>
             </a:r>
-            <a:endParaRPr lang="zh-CN" altLang="en-US"/>
           </a:p>
           <a:p>
             <a:pPr lvl="1"/>
@@ -19340,7 +19347,6 @@
               <a:rPr lang="zh-CN" altLang="en-US"/>
               <a:t>二级</a:t>
             </a:r>
-            <a:endParaRPr lang="zh-CN" altLang="en-US"/>
           </a:p>
           <a:p>
             <a:pPr lvl="2"/>
@@ -19348,7 +19354,6 @@
               <a:rPr lang="zh-CN" altLang="en-US"/>
               <a:t>三级</a:t>
             </a:r>
-            <a:endParaRPr lang="zh-CN" altLang="en-US"/>
           </a:p>
           <a:p>
             <a:pPr lvl="3"/>
@@ -19356,7 +19361,6 @@
               <a:rPr lang="zh-CN" altLang="en-US"/>
               <a:t>四级</a:t>
             </a:r>
-            <a:endParaRPr lang="zh-CN" altLang="en-US"/>
           </a:p>
           <a:p>
             <a:pPr lvl="4"/>
@@ -19364,7 +19368,6 @@
               <a:rPr lang="zh-CN" altLang="en-US"/>
               <a:t>五级</a:t>
             </a:r>
-            <a:endParaRPr lang="zh-CN" altLang="en-US"/>
           </a:p>
         </p:txBody>
       </p:sp>
@@ -19393,7 +19396,6 @@
               <a:rPr lang="zh-CN" altLang="en-US"/>
               <a:t>单击此处编辑母版文本样式</a:t>
             </a:r>
-            <a:endParaRPr lang="zh-CN" altLang="en-US"/>
           </a:p>
           <a:p>
             <a:pPr lvl="1"/>
@@ -19401,7 +19403,6 @@
               <a:rPr lang="zh-CN" altLang="en-US"/>
               <a:t>二级</a:t>
             </a:r>
-            <a:endParaRPr lang="zh-CN" altLang="en-US"/>
           </a:p>
           <a:p>
             <a:pPr lvl="2"/>
@@ -19409,7 +19410,6 @@
               <a:rPr lang="zh-CN" altLang="en-US"/>
               <a:t>三级</a:t>
             </a:r>
-            <a:endParaRPr lang="zh-CN" altLang="en-US"/>
           </a:p>
           <a:p>
             <a:pPr lvl="3"/>
@@ -19417,7 +19417,6 @@
               <a:rPr lang="zh-CN" altLang="en-US"/>
               <a:t>四级</a:t>
             </a:r>
-            <a:endParaRPr lang="zh-CN" altLang="en-US"/>
           </a:p>
           <a:p>
             <a:pPr lvl="4"/>
@@ -19425,7 +19424,6 @@
               <a:rPr lang="zh-CN" altLang="en-US"/>
               <a:t>五级</a:t>
             </a:r>
-            <a:endParaRPr lang="zh-CN" altLang="en-US"/>
           </a:p>
         </p:txBody>
       </p:sp>
@@ -19451,6 +19449,7 @@
               <a:rPr lang="zh-CN" altLang="en-US" dirty="0">
                 <a:latin typeface="Arial" panose="020B0604020202020204" pitchFamily="34" charset="0"/>
               </a:rPr>
+              <a:t>‹#›</a:t>
             </a:fld>
             <a:endParaRPr lang="zh-CN" altLang="en-US" dirty="0">
               <a:latin typeface="Arial" panose="020B0604020202020204" pitchFamily="34" charset="0"/>
@@ -19507,7 +19506,6 @@
               <a:rPr lang="zh-CN" altLang="en-US"/>
               <a:t>单击此处编辑母版标题样式</a:t>
             </a:r>
-            <a:endParaRPr lang="zh-CN" altLang="en-US"/>
           </a:p>
         </p:txBody>
       </p:sp>
@@ -19573,7 +19571,6 @@
               <a:rPr lang="zh-CN" altLang="en-US"/>
               <a:t>单击此处编辑母版文本样式</a:t>
             </a:r>
-            <a:endParaRPr lang="zh-CN" altLang="en-US"/>
           </a:p>
         </p:txBody>
       </p:sp>
@@ -19602,7 +19599,6 @@
               <a:rPr lang="zh-CN" altLang="en-US"/>
               <a:t>单击此处编辑母版文本样式</a:t>
             </a:r>
-            <a:endParaRPr lang="zh-CN" altLang="en-US"/>
           </a:p>
           <a:p>
             <a:pPr lvl="1"/>
@@ -19610,7 +19606,6 @@
               <a:rPr lang="zh-CN" altLang="en-US"/>
               <a:t>二级</a:t>
             </a:r>
-            <a:endParaRPr lang="zh-CN" altLang="en-US"/>
           </a:p>
           <a:p>
             <a:pPr lvl="2"/>
@@ -19618,7 +19613,6 @@
               <a:rPr lang="zh-CN" altLang="en-US"/>
               <a:t>三级</a:t>
             </a:r>
-            <a:endParaRPr lang="zh-CN" altLang="en-US"/>
           </a:p>
           <a:p>
             <a:pPr lvl="3"/>
@@ -19626,7 +19620,6 @@
               <a:rPr lang="zh-CN" altLang="en-US"/>
               <a:t>四级</a:t>
             </a:r>
-            <a:endParaRPr lang="zh-CN" altLang="en-US"/>
           </a:p>
           <a:p>
             <a:pPr lvl="4"/>
@@ -19634,7 +19627,6 @@
               <a:rPr lang="zh-CN" altLang="en-US"/>
               <a:t>五级</a:t>
             </a:r>
-            <a:endParaRPr lang="zh-CN" altLang="en-US"/>
           </a:p>
         </p:txBody>
       </p:sp>
@@ -19700,7 +19692,6 @@
               <a:rPr lang="zh-CN" altLang="en-US"/>
               <a:t>单击此处编辑母版文本样式</a:t>
             </a:r>
-            <a:endParaRPr lang="zh-CN" altLang="en-US"/>
           </a:p>
         </p:txBody>
       </p:sp>
@@ -19729,7 +19720,6 @@
               <a:rPr lang="zh-CN" altLang="en-US"/>
               <a:t>单击此处编辑母版文本样式</a:t>
             </a:r>
-            <a:endParaRPr lang="zh-CN" altLang="en-US"/>
           </a:p>
           <a:p>
             <a:pPr lvl="1"/>
@@ -19737,7 +19727,6 @@
               <a:rPr lang="zh-CN" altLang="en-US"/>
               <a:t>二级</a:t>
             </a:r>
-            <a:endParaRPr lang="zh-CN" altLang="en-US"/>
           </a:p>
           <a:p>
             <a:pPr lvl="2"/>
@@ -19745,7 +19734,6 @@
               <a:rPr lang="zh-CN" altLang="en-US"/>
               <a:t>三级</a:t>
             </a:r>
-            <a:endParaRPr lang="zh-CN" altLang="en-US"/>
           </a:p>
           <a:p>
             <a:pPr lvl="3"/>
@@ -19753,7 +19741,6 @@
               <a:rPr lang="zh-CN" altLang="en-US"/>
               <a:t>四级</a:t>
             </a:r>
-            <a:endParaRPr lang="zh-CN" altLang="en-US"/>
           </a:p>
           <a:p>
             <a:pPr lvl="4"/>
@@ -19761,7 +19748,6 @@
               <a:rPr lang="zh-CN" altLang="en-US"/>
               <a:t>五级</a:t>
             </a:r>
-            <a:endParaRPr lang="zh-CN" altLang="en-US"/>
           </a:p>
         </p:txBody>
       </p:sp>
@@ -19787,6 +19773,7 @@
               <a:rPr lang="zh-CN" altLang="en-US" dirty="0">
                 <a:latin typeface="Arial" panose="020B0604020202020204" pitchFamily="34" charset="0"/>
               </a:rPr>
+              <a:t>‹#›</a:t>
             </a:fld>
             <a:endParaRPr lang="zh-CN" altLang="en-US" dirty="0">
               <a:latin typeface="Arial" panose="020B0604020202020204" pitchFamily="34" charset="0"/>
@@ -19838,7 +19825,6 @@
               <a:rPr lang="zh-CN" altLang="en-US"/>
               <a:t>单击此处编辑母版标题样式</a:t>
             </a:r>
-            <a:endParaRPr lang="zh-CN" altLang="en-US"/>
           </a:p>
         </p:txBody>
       </p:sp>
@@ -19864,6 +19850,7 @@
               <a:rPr lang="zh-CN" altLang="en-US" dirty="0">
                 <a:latin typeface="Arial" panose="020B0604020202020204" pitchFamily="34" charset="0"/>
               </a:rPr>
+              <a:t>‹#›</a:t>
             </a:fld>
             <a:endParaRPr lang="zh-CN" altLang="en-US" dirty="0">
               <a:latin typeface="Arial" panose="020B0604020202020204" pitchFamily="34" charset="0"/>
@@ -19918,6 +19905,7 @@
               <a:rPr lang="zh-CN" altLang="en-US" dirty="0">
                 <a:latin typeface="Arial" panose="020B0604020202020204" pitchFamily="34" charset="0"/>
               </a:rPr>
+              <a:t>‹#›</a:t>
             </a:fld>
             <a:endParaRPr lang="zh-CN" altLang="en-US" dirty="0">
               <a:latin typeface="Arial" panose="020B0604020202020204" pitchFamily="34" charset="0"/>
@@ -20035,7 +20023,6 @@
               <a:rPr lang="zh-CN" altLang="en-US"/>
               <a:t>单击此处编辑母版文本样式</a:t>
             </a:r>
-            <a:endParaRPr lang="zh-CN" altLang="en-US"/>
           </a:p>
           <a:p>
             <a:pPr lvl="1"/>
@@ -20043,7 +20030,6 @@
               <a:rPr lang="zh-CN" altLang="en-US"/>
               <a:t>二级</a:t>
             </a:r>
-            <a:endParaRPr lang="zh-CN" altLang="en-US"/>
           </a:p>
           <a:p>
             <a:pPr lvl="2"/>
@@ -20051,7 +20037,6 @@
               <a:rPr lang="zh-CN" altLang="en-US"/>
               <a:t>三级</a:t>
             </a:r>
-            <a:endParaRPr lang="zh-CN" altLang="en-US"/>
           </a:p>
           <a:p>
             <a:pPr lvl="3"/>
@@ -20059,7 +20044,6 @@
               <a:rPr lang="zh-CN" altLang="en-US"/>
               <a:t>四级</a:t>
             </a:r>
-            <a:endParaRPr lang="zh-CN" altLang="en-US"/>
           </a:p>
           <a:p>
             <a:pPr lvl="4"/>
@@ -20067,7 +20051,6 @@
               <a:rPr lang="zh-CN" altLang="en-US"/>
               <a:t>五级</a:t>
             </a:r>
-            <a:endParaRPr lang="zh-CN" altLang="en-US"/>
           </a:p>
         </p:txBody>
       </p:sp>
@@ -20133,7 +20116,6 @@
               <a:rPr lang="zh-CN" altLang="en-US"/>
               <a:t>单击此处编辑母版文本样式</a:t>
             </a:r>
-            <a:endParaRPr lang="zh-CN" altLang="en-US"/>
           </a:p>
         </p:txBody>
       </p:sp>
@@ -20159,6 +20141,7 @@
               <a:rPr lang="zh-CN" altLang="en-US" dirty="0">
                 <a:latin typeface="Arial" panose="020B0604020202020204" pitchFamily="34" charset="0"/>
               </a:rPr>
+              <a:t>‹#›</a:t>
             </a:fld>
             <a:endParaRPr lang="zh-CN" altLang="en-US" dirty="0">
               <a:latin typeface="Arial" panose="020B0604020202020204" pitchFamily="34" charset="0"/>
@@ -20219,7 +20202,6 @@
               <a:rPr lang="zh-CN" altLang="en-US"/>
               <a:t>单击此处编辑母版标题样式</a:t>
             </a:r>
-            <a:endParaRPr lang="zh-CN" altLang="en-US"/>
           </a:p>
         </p:txBody>
       </p:sp>
@@ -20313,20 +20295,6 @@
               </a:rPr>
               <a:t>单击图标添加图片</a:t>
             </a:r>
-            <a:endParaRPr kumimoji="0" lang="zh-CN" altLang="en-US" sz="3200" b="0" i="0" u="none" strike="noStrike" kern="1200" cap="none" spc="0" normalizeH="0" baseline="0" noProof="0">
-              <a:ln>
-                <a:noFill/>
-              </a:ln>
-              <a:solidFill>
-                <a:schemeClr val="tx1"/>
-              </a:solidFill>
-              <a:effectLst/>
-              <a:uLnTx/>
-              <a:uFillTx/>
-              <a:latin typeface="+mn-lt"/>
-              <a:ea typeface="+mn-ea"/>
-              <a:cs typeface="+mn-cs"/>
-            </a:endParaRPr>
           </a:p>
         </p:txBody>
       </p:sp>
@@ -20392,7 +20360,6 @@
               <a:rPr lang="zh-CN" altLang="en-US"/>
               <a:t>单击此处编辑母版文本样式</a:t>
             </a:r>
-            <a:endParaRPr lang="zh-CN" altLang="en-US"/>
           </a:p>
         </p:txBody>
       </p:sp>
@@ -20418,6 +20385,7 @@
               <a:rPr lang="zh-CN" altLang="en-US" dirty="0">
                 <a:latin typeface="Arial" panose="020B0604020202020204" pitchFamily="34" charset="0"/>
               </a:rPr>
+              <a:t>‹#›</a:t>
             </a:fld>
             <a:endParaRPr lang="zh-CN" altLang="en-US" dirty="0">
               <a:latin typeface="Arial" panose="020B0604020202020204" pitchFamily="34" charset="0"/>
@@ -20467,7 +20435,7 @@
           <p:nvPr/>
         </p:nvPicPr>
         <p:blipFill>
-          <a:blip r:embed="rId15"/>
+          <a:blip r:embed="rId16"/>
           <a:srcRect b="38461"/>
           <a:stretch>
             <a:fillRect/>
@@ -20592,7 +20560,6 @@
               <a:rPr lang="zh-CN" altLang="en-US" dirty="0"/>
               <a:t>单击此处编辑母版文本样式</a:t>
             </a:r>
-            <a:endParaRPr lang="zh-CN" altLang="en-US" dirty="0"/>
           </a:p>
           <a:p>
             <a:pPr lvl="1"/>
@@ -20600,7 +20567,6 @@
               <a:rPr lang="zh-CN" altLang="en-US" dirty="0"/>
               <a:t>二级</a:t>
             </a:r>
-            <a:endParaRPr lang="zh-CN" altLang="en-US" dirty="0"/>
           </a:p>
           <a:p>
             <a:pPr lvl="2"/>
@@ -20608,7 +20574,6 @@
               <a:rPr lang="zh-CN" altLang="en-US" dirty="0"/>
               <a:t>三级</a:t>
             </a:r>
-            <a:endParaRPr lang="zh-CN" altLang="en-US" dirty="0"/>
           </a:p>
           <a:p>
             <a:pPr lvl="3"/>
@@ -20616,7 +20581,6 @@
               <a:rPr lang="zh-CN" altLang="en-US" dirty="0"/>
               <a:t>四级</a:t>
             </a:r>
-            <a:endParaRPr lang="zh-CN" altLang="en-US" dirty="0"/>
           </a:p>
           <a:p>
             <a:pPr lvl="4"/>
@@ -20671,6 +20635,7 @@
               <a:rPr lang="zh-CN" altLang="en-US" dirty="0">
                 <a:latin typeface="Arial" panose="020B0604020202020204" pitchFamily="34" charset="0"/>
               </a:rPr>
+              <a:t>‹#›</a:t>
             </a:fld>
             <a:endParaRPr lang="zh-CN" altLang="en-US" dirty="0">
               <a:latin typeface="Arial" panose="020B0604020202020204" pitchFamily="34" charset="0"/>
@@ -21255,7 +21220,11 @@
             </a:r>
             <a:r>
               <a:rPr lang="en-US" altLang="zh-CN" sz="6600" kern="1200" dirty="0"/>
-              <a:t>(K-NN)</a:t>
+              <a:t>(K-NN</a:t>
+            </a:r>
+            <a:r>
+              <a:rPr lang="en-US" altLang="zh-CN" sz="6600" kern="1200" dirty="0" smtClean="0"/>
+              <a:t>)</a:t>
             </a:r>
             <a:endParaRPr lang="zh-CN" altLang="en-US" sz="6600" kern="1200" dirty="0"/>
           </a:p>
@@ -21330,11 +21299,6 @@
               </a:rPr>
               <a:t>算法简介</a:t>
             </a:r>
-            <a:endParaRPr lang="zh-CN" altLang="en-US" sz="4400" kern="1200" dirty="0">
-              <a:latin typeface="华文新魏" pitchFamily="2" charset="-122"/>
-              <a:ea typeface="华文新魏" pitchFamily="2" charset="-122"/>
-              <a:cs typeface="+mj-cs"/>
-            </a:endParaRPr>
           </a:p>
         </p:txBody>
       </p:sp>
@@ -21367,6 +21331,7 @@
                 </a:solidFill>
                 <a:ea typeface="宋体" panose="02010600030101010101" pitchFamily="2" charset="-122"/>
               </a:rPr>
+              <a:t>2</a:t>
             </a:fld>
             <a:endParaRPr lang="en-US" altLang="zh-CN" sz="1200" dirty="0">
               <a:solidFill>
@@ -21594,13 +21559,6 @@
               </a:rPr>
               <a:t>王俊伟</a:t>
             </a:r>
-            <a:endParaRPr lang="zh-CN" altLang="en-US" sz="100" dirty="0">
-              <a:solidFill>
-                <a:srgbClr val="000000"/>
-              </a:solidFill>
-              <a:ea typeface="宋体" panose="02010600030101010101" pitchFamily="2" charset="-122"/>
-              <a:sym typeface="Arial" panose="020B0604020202020204" pitchFamily="34" charset="0"/>
-            </a:endParaRPr>
           </a:p>
         </p:txBody>
       </p:sp>
@@ -21797,17 +21755,6 @@
                 </a:rPr>
                 <a:t>训练样本集合</a:t>
               </a:r>
-              <a:endParaRPr kumimoji="0" lang="zh-CN" altLang="en-US" sz="2000" b="0" i="0" u="none" strike="noStrike" cap="none" normalizeH="0" baseline="0" dirty="0">
-                <a:ln>
-                  <a:noFill/>
-                </a:ln>
-                <a:solidFill>
-                  <a:schemeClr val="bg1"/>
-                </a:solidFill>
-                <a:effectLst/>
-                <a:latin typeface="Arial" panose="020B0604020202020204" pitchFamily="34" charset="0"/>
-                <a:ea typeface="华文行楷" panose="02010800040101010101" pitchFamily="2" charset="-122"/>
-              </a:endParaRPr>
             </a:p>
           </p:txBody>
         </p:sp>
@@ -21821,7 +21768,7 @@
           <p:nvPr/>
         </p:nvPicPr>
         <p:blipFill>
-          <a:blip r:embed="rId1"/>
+          <a:blip r:embed="rId3"/>
           <a:stretch>
             <a:fillRect/>
           </a:stretch>
@@ -21968,9 +21915,6 @@
               </a:rPr>
               <a:t>个最相似数据中出现次数最多的分类，作为新数据的分类。</a:t>
             </a:r>
-            <a:endParaRPr lang="zh-CN" altLang="en-US" sz="1800" b="0" spc="100" dirty="0">
-              <a:latin typeface="宋体" panose="02010600030101010101" pitchFamily="2" charset="-122"/>
-            </a:endParaRPr>
           </a:p>
         </p:txBody>
       </p:sp>
@@ -22062,11 +22006,6 @@
               </a:rPr>
               <a:t>数据集标签</a:t>
             </a:r>
-            <a:endParaRPr lang="zh-CN" altLang="en-US" sz="1200" b="0" dirty="0">
-              <a:solidFill>
-                <a:srgbClr val="FF0000"/>
-              </a:solidFill>
-            </a:endParaRPr>
           </a:p>
         </p:txBody>
       </p:sp>
@@ -22114,7 +22053,6 @@
               <a:rPr lang="zh-CN" altLang="en-US" sz="4400" dirty="0"/>
               <a:t>简单案例</a:t>
             </a:r>
-            <a:endParaRPr lang="zh-CN" altLang="en-US" sz="4400" dirty="0"/>
           </a:p>
         </p:txBody>
       </p:sp>
@@ -22129,7 +22067,7 @@
           </p:nvPr>
         </p:nvPicPr>
         <p:blipFill>
-          <a:blip r:embed="rId1"/>
+          <a:blip r:embed="rId3"/>
           <a:stretch>
             <a:fillRect/>
           </a:stretch>
@@ -22182,9 +22120,6 @@
               </a:rPr>
               <a:t>近邻算法分类一个电影是爱情片还是动作片。</a:t>
             </a:r>
-            <a:endParaRPr lang="zh-CN" altLang="en-US" sz="1800" b="0" spc="100" dirty="0">
-              <a:latin typeface="宋体" panose="02010600030101010101" pitchFamily="2" charset="-122"/>
-            </a:endParaRPr>
           </a:p>
         </p:txBody>
       </p:sp>
@@ -22197,7 +22132,7 @@
           <p:nvPr/>
         </p:nvPicPr>
         <p:blipFill>
-          <a:blip r:embed="rId2"/>
+          <a:blip r:embed="rId4"/>
           <a:stretch>
             <a:fillRect/>
           </a:stretch>
@@ -22246,9 +22181,6 @@
               </a:rPr>
               <a:t>近邻算法距离公式：</a:t>
             </a:r>
-            <a:endParaRPr lang="zh-CN" altLang="en-US" sz="1800" b="0" spc="100" dirty="0">
-              <a:latin typeface="宋体" panose="02010600030101010101" pitchFamily="2" charset="-122"/>
-            </a:endParaRPr>
           </a:p>
         </p:txBody>
       </p:sp>
@@ -22261,7 +22193,7 @@
           <p:nvPr/>
         </p:nvPicPr>
         <p:blipFill>
-          <a:blip r:embed="rId3"/>
+          <a:blip r:embed="rId5"/>
           <a:stretch>
             <a:fillRect/>
           </a:stretch>
@@ -22346,9 +22278,6 @@
               </a:rPr>
               <a:t>16.55</a:t>
             </a:r>
-            <a:endParaRPr lang="en-US" altLang="zh-CN" sz="1400" b="0" spc="100" dirty="0">
-              <a:latin typeface="宋体" panose="02010600030101010101" pitchFamily="2" charset="-122"/>
-            </a:endParaRPr>
           </a:p>
           <a:p>
             <a:pPr marL="285750" indent="-285750" algn="l" fontAlgn="base">
@@ -22388,9 +22317,6 @@
               </a:rPr>
               <a:t>18.44</a:t>
             </a:r>
-            <a:endParaRPr lang="en-US" altLang="zh-CN" sz="1400" b="0" spc="100" dirty="0">
-              <a:latin typeface="宋体" panose="02010600030101010101" pitchFamily="2" charset="-122"/>
-            </a:endParaRPr>
           </a:p>
           <a:p>
             <a:pPr marL="285750" indent="-285750" algn="l" fontAlgn="base">
@@ -22430,9 +22356,6 @@
               </a:rPr>
               <a:t>118.22</a:t>
             </a:r>
-            <a:endParaRPr lang="en-US" altLang="zh-CN" sz="1400" b="0" spc="100" dirty="0">
-              <a:latin typeface="宋体" panose="02010600030101010101" pitchFamily="2" charset="-122"/>
-            </a:endParaRPr>
           </a:p>
           <a:p>
             <a:pPr marL="285750" indent="-285750" algn="l" fontAlgn="base">
@@ -22472,9 +22395,6 @@
               </a:rPr>
               <a:t>128.69</a:t>
             </a:r>
-            <a:endParaRPr lang="en-US" altLang="zh-CN" sz="1400" b="0" spc="100" dirty="0">
-              <a:latin typeface="宋体" panose="02010600030101010101" pitchFamily="2" charset="-122"/>
-            </a:endParaRPr>
           </a:p>
           <a:p>
             <a:endParaRPr lang="zh-CN" altLang="en-US" sz="1800" b="0" spc="100" dirty="0">
@@ -22568,9 +22488,6 @@
               </a:rPr>
               <a:t>个点，所以该红色圆点标记为的电影为动作片。</a:t>
             </a:r>
-            <a:endParaRPr lang="zh-CN" altLang="en-US" sz="1400" b="0" spc="100" dirty="0">
-              <a:latin typeface="宋体" panose="02010600030101010101" pitchFamily="2" charset="-122"/>
-            </a:endParaRPr>
           </a:p>
         </p:txBody>
       </p:sp>
@@ -22618,7 +22535,6 @@
               <a:rPr lang="zh-CN" altLang="en-US" sz="4400" dirty="0"/>
               <a:t>分类器算法</a:t>
             </a:r>
-            <a:endParaRPr lang="zh-CN" altLang="en-US" sz="4400" dirty="0"/>
           </a:p>
         </p:txBody>
       </p:sp>
@@ -22631,7 +22547,7 @@
           <p:nvPr/>
         </p:nvPicPr>
         <p:blipFill>
-          <a:blip r:embed="rId1">
+          <a:blip r:embed="rId2">
             <a:extLst>
               <a:ext uri="{28A0092B-C50C-407E-A947-70E740481C1C}">
                 <a14:useLocalDpi xmlns:a14="http://schemas.microsoft.com/office/drawing/2010/main" val="0"/>
@@ -22696,7 +22612,6 @@
               <a:rPr lang="zh-CN" altLang="en-US" sz="4400" dirty="0"/>
               <a:t>分类器算法</a:t>
             </a:r>
-            <a:endParaRPr lang="zh-CN" altLang="en-US" sz="4400" dirty="0"/>
           </a:p>
         </p:txBody>
       </p:sp>
@@ -22728,10 +22643,6 @@
               </a:rPr>
               <a:t>上述例子中的特征是二维的，这样的距离度量可以用两点距离公式计算，如果涉及到更高的维度，可以使用欧式距离，公式如下所示：</a:t>
             </a:r>
-            <a:endParaRPr lang="zh-CN" altLang="en-US" sz="1800" spc="100" dirty="0">
-              <a:latin typeface="宋体" panose="02010600030101010101" pitchFamily="2" charset="-122"/>
-              <a:ea typeface="宋体" panose="02010600030101010101" pitchFamily="2" charset="-122"/>
-            </a:endParaRPr>
           </a:p>
         </p:txBody>
       </p:sp>
@@ -22744,7 +22655,7 @@
           <p:nvPr/>
         </p:nvPicPr>
         <p:blipFill>
-          <a:blip r:embed="rId1"/>
+          <a:blip r:embed="rId2"/>
           <a:stretch>
             <a:fillRect/>
           </a:stretch>
@@ -22838,9 +22749,6 @@
               </a:rPr>
               <a:t>近邻算法不具有显式的学习过程。</a:t>
             </a:r>
-            <a:endParaRPr lang="zh-CN" altLang="en-US" sz="1800" b="0" spc="100" dirty="0">
-              <a:latin typeface="宋体" panose="02010600030101010101" pitchFamily="2" charset="-122"/>
-            </a:endParaRPr>
           </a:p>
         </p:txBody>
       </p:sp>
@@ -22892,7 +22800,6 @@
               <a:rPr lang="zh-CN" altLang="en-US" sz="4400" dirty="0"/>
               <a:t>算法应用</a:t>
             </a:r>
-            <a:endParaRPr lang="zh-CN" altLang="en-US" sz="4400" dirty="0"/>
           </a:p>
         </p:txBody>
       </p:sp>
@@ -22997,14 +22904,7 @@
                 <a:latin typeface="宋体" panose="02010600030101010101" pitchFamily="2" charset="-122"/>
                 <a:ea typeface="宋体" panose="02010600030101010101" pitchFamily="2" charset="-122"/>
               </a:rPr>
-              <a:t>种特征</a:t>
-            </a:r>
-            <a:r>
-              <a:rPr lang="zh-CN" altLang="en-US" sz="1800" spc="100" dirty="0">
-                <a:latin typeface="宋体" panose="02010600030101010101" pitchFamily="2" charset="-122"/>
-                <a:ea typeface="宋体" panose="02010600030101010101" pitchFamily="2" charset="-122"/>
-              </a:rPr>
-              <a:t>：</a:t>
+              <a:t>种特征：</a:t>
             </a:r>
             <a:endParaRPr lang="en-US" altLang="zh-CN" sz="1800" spc="100" dirty="0">
               <a:latin typeface="宋体" panose="02010600030101010101" pitchFamily="2" charset="-122"/>
@@ -23180,7 +23080,7 @@
           <p:nvPr/>
         </p:nvPicPr>
         <p:blipFill>
-          <a:blip r:embed="rId1"/>
+          <a:blip r:embed="rId2"/>
           <a:stretch>
             <a:fillRect/>
           </a:stretch>
@@ -23239,7 +23139,6 @@
               <a:rPr lang="zh-CN" altLang="en-US" sz="4400" dirty="0"/>
               <a:t>数据解析</a:t>
             </a:r>
-            <a:endParaRPr lang="zh-CN" altLang="en-US" sz="4400" dirty="0"/>
           </a:p>
         </p:txBody>
       </p:sp>
@@ -23274,21 +23173,7 @@
                 <a:latin typeface="宋体" panose="02010600030101010101" pitchFamily="2" charset="-122"/>
                 <a:ea typeface="宋体" panose="02010600030101010101" pitchFamily="2" charset="-122"/>
               </a:rPr>
-              <a:t>在将上述特征数据输入到分类器前，必须将待处理的数据的格式改变为分类器可以接收的格式</a:t>
-            </a:r>
-            <a:r>
-              <a:rPr lang="zh-CN" altLang="en-US" sz="1800" spc="100" dirty="0">
-                <a:latin typeface="宋体" panose="02010600030101010101" pitchFamily="2" charset="-122"/>
-                <a:ea typeface="宋体" panose="02010600030101010101" pitchFamily="2" charset="-122"/>
-              </a:rPr>
-              <a:t>。</a:t>
-            </a:r>
-            <a:r>
-              <a:rPr lang="zh-CN" altLang="en-US" sz="1800" spc="100" dirty="0">
-                <a:latin typeface="宋体" panose="02010600030101010101" pitchFamily="2" charset="-122"/>
-                <a:ea typeface="宋体" panose="02010600030101010101" pitchFamily="2" charset="-122"/>
-              </a:rPr>
-              <a:t>要将数据分类两部分，即特征矩阵和对应的分类标签向量</a:t>
+              <a:t>在将上述特征数据输入到分类器前，必须将待处理的数据的格式改变为分类器可以接收的格式。要将数据分类两部分，即特征矩阵和对应的分类标签向量</a:t>
             </a:r>
             <a:r>
               <a:rPr lang="zh-CN" altLang="en-US" sz="1800" spc="100" dirty="0" smtClean="0">
@@ -23313,7 +23198,7 @@
           <p:nvPr/>
         </p:nvPicPr>
         <p:blipFill>
-          <a:blip r:embed="rId1"/>
+          <a:blip r:embed="rId2"/>
           <a:stretch>
             <a:fillRect/>
           </a:stretch>
@@ -23337,7 +23222,7 @@
           <p:nvPr/>
         </p:nvPicPr>
         <p:blipFill>
-          <a:blip r:embed="rId2" cstate="print">
+          <a:blip r:embed="rId3" cstate="print">
             <a:extLst>
               <a:ext uri="{28A0092B-C50C-407E-A947-70E740481C1C}">
                 <a14:useLocalDpi xmlns:a14="http://schemas.microsoft.com/office/drawing/2010/main" val="0"/>
@@ -23402,7 +23287,6 @@
               <a:rPr lang="zh-CN" altLang="en-US" sz="4400" dirty="0"/>
               <a:t>数据归一化</a:t>
             </a:r>
-            <a:endParaRPr lang="zh-CN" altLang="en-US" sz="4400" dirty="0"/>
           </a:p>
         </p:txBody>
       </p:sp>
@@ -23419,7 +23303,7 @@
           </p:nvPr>
         </p:nvPicPr>
         <p:blipFill>
-          <a:blip r:embed="rId2"/>
+          <a:blip r:embed="rId3"/>
           <a:stretch>
             <a:fillRect/>
           </a:stretch>
@@ -23454,23 +23338,15 @@
           <a:bodyPr wrap="square" rtlCol="0">
             <a:spAutoFit/>
           </a:bodyPr>
+          <a:lstStyle/>
           <a:p>
             <a:pPr algn="just"/>
             <a:r>
               <a:rPr lang="zh-CN" altLang="en-US" sz="1800" b="0" spc="100" dirty="0" smtClean="0">
                 <a:latin typeface="宋体" panose="02010600030101010101" pitchFamily="2" charset="-122"/>
               </a:rPr>
-              <a:t>给出了四组样本，如果想要计算样本3和样本4之间的距离，可以使用欧式距离公式计算，计算方法如下</a:t>
+              <a:t>给出了四组样本，如果想要计算样本3和样本4之间的距离，可以使用欧式距离公式计算，计算方法如下所示：</a:t>
             </a:r>
-            <a:r>
-              <a:rPr lang="zh-CN" altLang="en-US" sz="1800" b="0" spc="100" dirty="0" smtClean="0">
-                <a:latin typeface="宋体" panose="02010600030101010101" pitchFamily="2" charset="-122"/>
-              </a:rPr>
-              <a:t>所示：</a:t>
-            </a:r>
-            <a:endParaRPr lang="zh-CN" altLang="en-US" sz="1800" b="0" spc="100" dirty="0" smtClean="0">
-              <a:latin typeface="宋体" panose="02010600030101010101" pitchFamily="2" charset="-122"/>
-            </a:endParaRPr>
           </a:p>
           <a:p>
             <a:pPr algn="just"/>
@@ -23489,7 +23365,7 @@
           <p:nvPr/>
         </p:nvPicPr>
         <p:blipFill>
-          <a:blip r:embed="rId3"/>
+          <a:blip r:embed="rId4"/>
           <a:stretch>
             <a:fillRect/>
           </a:stretch>
@@ -23524,6 +23400,7 @@
           <a:bodyPr wrap="square" rtlCol="0">
             <a:spAutoFit/>
           </a:bodyPr>
+          <a:lstStyle/>
           <a:p>
             <a:pPr indent="457200"/>
             <a:r>
@@ -23532,9 +23409,6 @@
               </a:rPr>
               <a:t>我们很容易发现，上面方程中数字差值最大的属性对计算结果的影响最大，而产生这种现象的唯一原因，仅仅是因为飞行常客里程数远大于其他特征值。但海伦认为这三种特征是同等重要的，因此作为三个等权重的特征之一，飞行常客里程数并不应该如此严重地影响到计算结果。</a:t>
             </a:r>
-            <a:endParaRPr lang="zh-CN" altLang="en-US" sz="1800" b="0" spc="100" dirty="0">
-              <a:latin typeface="宋体" panose="02010600030101010101" pitchFamily="2" charset="-122"/>
-            </a:endParaRPr>
           </a:p>
           <a:p>
             <a:pPr indent="457200"/>
@@ -23544,9 +23418,6 @@
               </a:rPr>
               <a:t>在处理这种不同取值范围的特征值时，我们通常采用的方法是将数值归一化，如将取值范围处理为０到１或者-１到１之间。</a:t>
             </a:r>
-            <a:endParaRPr lang="zh-CN" altLang="en-US" sz="1800" b="0" spc="100" dirty="0">
-              <a:latin typeface="宋体" panose="02010600030101010101" pitchFamily="2" charset="-122"/>
-            </a:endParaRPr>
           </a:p>
           <a:p>
             <a:pPr indent="457200"/>
@@ -23556,9 +23427,6 @@
               </a:rPr>
               <a:t>下面的公式可以将任意取值范围的特征值转化为０到１区间内的值：</a:t>
             </a:r>
-            <a:endParaRPr lang="zh-CN" altLang="en-US" sz="1800" b="0" spc="100" dirty="0">
-              <a:latin typeface="宋体" panose="02010600030101010101" pitchFamily="2" charset="-122"/>
-            </a:endParaRPr>
           </a:p>
           <a:p>
             <a:pPr indent="457200"/>
@@ -23568,9 +23436,6 @@
               </a:rPr>
               <a:t>	newValue = (oldValue - min) / (max - min)</a:t>
             </a:r>
-            <a:endParaRPr lang="zh-CN" altLang="en-US" sz="1800" b="0" spc="100" dirty="0">
-              <a:latin typeface="宋体" panose="02010600030101010101" pitchFamily="2" charset="-122"/>
-            </a:endParaRPr>
           </a:p>
         </p:txBody>
       </p:sp>
@@ -23591,7 +23456,14 @@
         <p:cNvGrpSpPr/>
         <p:nvPr/>
       </p:nvGrpSpPr>
-      <p:grpSpPr/>
+      <p:grpSpPr>
+        <a:xfrm>
+          <a:off x="0" y="0"/>
+          <a:ext cx="0" cy="0"/>
+          <a:chOff x="0" y="0"/>
+          <a:chExt cx="0" cy="0"/>
+        </a:xfrm>
+      </p:grpSpPr>
       <p:sp>
         <p:nvSpPr>
           <p:cNvPr id="2" name="标题 1"/>
@@ -23605,12 +23477,12 @@
         <p:spPr/>
         <p:txBody>
           <a:bodyPr/>
+          <a:lstStyle/>
           <a:p>
             <a:r>
               <a:rPr lang="zh-CN" altLang="en-US" sz="4400" dirty="0"/>
               <a:t>测试算法：验证分类器</a:t>
             </a:r>
-            <a:endParaRPr lang="zh-CN" altLang="en-US" sz="4400" dirty="0"/>
           </a:p>
         </p:txBody>
       </p:sp>
@@ -23632,6 +23504,7 @@
         </p:spPr>
         <p:txBody>
           <a:bodyPr/>
+          <a:lstStyle/>
           <a:p>
             <a:pPr marL="0" indent="457200" latinLnBrk="0">
               <a:lnSpc>
@@ -23649,10 +23522,6 @@
               </a:rPr>
               <a:t>通常我们只提供已有数据的90%作为训练样本来训练分类器，而使用其余的10%数据去测试分类器，检测分类器的正确率。</a:t>
             </a:r>
-            <a:endParaRPr lang="zh-CN" altLang="en-US" sz="1800" spc="100" dirty="0" smtClean="0">
-              <a:latin typeface="宋体" panose="02010600030101010101" pitchFamily="2" charset="-122"/>
-              <a:ea typeface="宋体" panose="02010600030101010101" pitchFamily="2" charset="-122"/>
-            </a:endParaRPr>
           </a:p>
           <a:p>
             <a:pPr marL="0" indent="457200" latinLnBrk="0">
@@ -23671,10 +23540,6 @@
               </a:rPr>
               <a:t>需要注意的是，10%的测试数据应该是随机选择的，由于提供的数据并没有按照特定目的来排序，所以我们可以随意选择10%数据而不影响其随机性。</a:t>
             </a:r>
-            <a:endParaRPr lang="zh-CN" altLang="en-US" sz="1800" spc="100" dirty="0" smtClean="0">
-              <a:latin typeface="宋体" panose="02010600030101010101" pitchFamily="2" charset="-122"/>
-              <a:ea typeface="宋体" panose="02010600030101010101" pitchFamily="2" charset="-122"/>
-            </a:endParaRPr>
           </a:p>
         </p:txBody>
       </p:sp>
@@ -23687,7 +23552,7 @@
 </file>
 
 <file path=ppt/tags/tag1.xml><?xml version="1.0" encoding="utf-8"?>
-<p:tagLst xmlns:p="http://schemas.openxmlformats.org/presentationml/2006/main">
+<p:tagLst xmlns:a="http://schemas.openxmlformats.org/drawingml/2006/main" xmlns:r="http://schemas.openxmlformats.org/officeDocument/2006/relationships" xmlns:p="http://schemas.openxmlformats.org/presentationml/2006/main">
   <p:tag name="KSO_WM_UNIT_PLACING_PICTURE_USER_VIEWPORT" val="{&quot;height&quot;:2963,&quot;width&quot;:14400}"/>
 </p:tagLst>
 </file>
@@ -24383,6 +24248,8 @@
       </a:bgFillStyleLst>
     </a:fmtScheme>
   </a:themeElements>
+  <a:objectDefaults/>
+  <a:extraClrSchemeLst/>
   <a:extLst>
     <a:ext uri="{05A4C25C-085E-4340-85A3-A5531E510DB2}">
       <thm15:themeFamily xmlns:thm15="http://schemas.microsoft.com/office/thememl/2012/main" name="Office Theme" id="{62F939B6-93AF-4DB8-9C6B-D6C7DFDC589F}" vid="{4A3C46E8-61CC-4603-A589-7422A47A8E4A}"/>
